--- a/Instructor-Led/Module3/Lessons/Module3_Lesson2 Understanding Xamarin.pptx
+++ b/Instructor-Led/Module3/Lessons/Module3_Lesson2 Understanding Xamarin.pptx
@@ -5,7 +5,7 @@
     <p:sldMasterId id="2147483648" r:id="rId1"/>
   </p:sldMasterIdLst>
   <p:notesMasterIdLst>
-    <p:notesMasterId r:id="rId25"/>
+    <p:notesMasterId r:id="rId26"/>
   </p:notesMasterIdLst>
   <p:sldIdLst>
     <p:sldId id="256" r:id="rId2"/>
@@ -19,18 +19,19 @@
     <p:sldId id="305" r:id="rId10"/>
     <p:sldId id="310" r:id="rId11"/>
     <p:sldId id="313" r:id="rId12"/>
-    <p:sldId id="291" r:id="rId13"/>
-    <p:sldId id="318" r:id="rId14"/>
-    <p:sldId id="319" r:id="rId15"/>
-    <p:sldId id="321" r:id="rId16"/>
-    <p:sldId id="324" r:id="rId17"/>
-    <p:sldId id="323" r:id="rId18"/>
-    <p:sldId id="311" r:id="rId19"/>
-    <p:sldId id="322" r:id="rId20"/>
-    <p:sldId id="317" r:id="rId21"/>
-    <p:sldId id="312" r:id="rId22"/>
-    <p:sldId id="308" r:id="rId23"/>
-    <p:sldId id="314" r:id="rId24"/>
+    <p:sldId id="325" r:id="rId13"/>
+    <p:sldId id="291" r:id="rId14"/>
+    <p:sldId id="326" r:id="rId15"/>
+    <p:sldId id="319" r:id="rId16"/>
+    <p:sldId id="321" r:id="rId17"/>
+    <p:sldId id="324" r:id="rId18"/>
+    <p:sldId id="323" r:id="rId19"/>
+    <p:sldId id="311" r:id="rId20"/>
+    <p:sldId id="322" r:id="rId21"/>
+    <p:sldId id="317" r:id="rId22"/>
+    <p:sldId id="312" r:id="rId23"/>
+    <p:sldId id="308" r:id="rId24"/>
+    <p:sldId id="314" r:id="rId25"/>
   </p:sldIdLst>
   <p:sldSz cx="12192000" cy="6858000"/>
   <p:notesSz cx="6858000" cy="9144000"/>
@@ -131,7 +132,7 @@
   </p:defaultTextStyle>
   <p:extLst>
     <p:ext uri="{EFAFB233-063F-42B5-8137-9DF3F51BA10A}">
-      <p15:sldGuideLst xmlns:p15="http://schemas.microsoft.com/office/powerpoint/2012/main" xmlns="">
+      <p15:sldGuideLst xmlns="" xmlns:p15="http://schemas.microsoft.com/office/powerpoint/2012/main">
         <p15:guide id="1" orient="horz" pos="2160">
           <p15:clr>
             <a:srgbClr val="A4A3A4"/>
@@ -155,6 +156,7 @@
   <p:cmAuthor id="2" name="Gavin Gear" initials="GG" lastIdx="5" clrIdx="2">
     <p:extLst/>
   </p:cmAuthor>
+  <p:cmAuthor id="3" name="Dan Hermes" initials="" lastIdx="0" clrIdx="3"/>
 </p:cmAuthorLst>
 </file>
 
@@ -241,7 +243,7 @@
             <a:fld id="{49B60EF2-7028-489F-85D8-FE86CD7CF2A0}" type="datetimeFigureOut">
               <a:rPr lang="en-US" smtClean="0"/>
               <a:pPr/>
-              <a:t>6/16/16</a:t>
+              <a:t>6/28/16</a:t>
             </a:fld>
             <a:endParaRPr lang="en-US"/>
           </a:p>
@@ -915,8 +917,35 @@
               <a:defRPr/>
             </a:pPr>
             <a:r>
-              <a:rPr lang="en-US" b="1" dirty="0"/>
-              <a:t>Notes: </a:t>
+              <a:rPr lang="en-US" b="1" smtClean="0"/>
+              <a:t>References:</a:t>
+            </a:r>
+          </a:p>
+          <a:p>
+            <a:pPr marL="171450" marR="0" lvl="0" indent="-171450" algn="l" defTabSz="914400" rtl="0" eaLnBrk="1" fontAlgn="auto" latinLnBrk="0" hangingPunct="1">
+              <a:lnSpc>
+                <a:spcPct val="100000"/>
+              </a:lnSpc>
+              <a:spcBef>
+                <a:spcPts val="0"/>
+              </a:spcBef>
+              <a:spcAft>
+                <a:spcPts val="0"/>
+              </a:spcAft>
+              <a:buClrTx/>
+              <a:buSzTx/>
+              <a:buFont typeface="Arial"/>
+              <a:buChar char="•"/>
+              <a:tabLst/>
+              <a:defRPr/>
+            </a:pPr>
+            <a:r>
+              <a:rPr lang="en-US" dirty="0" smtClean="0"/>
+              <a:t>https</a:t>
+            </a:r>
+            <a:r>
+              <a:rPr lang="en-US" dirty="0"/>
+              <a:t>://developer.xamarin.com/guides/cross-platform/fsharp/</a:t>
             </a:r>
           </a:p>
           <a:p>
@@ -932,73 +961,12 @@
               </a:spcAft>
               <a:buClrTx/>
               <a:buSzTx/>
-              <a:buFont typeface="Arial" pitchFamily="34" charset="0"/>
-              <a:buChar char="•"/>
+              <a:buFontTx/>
+              <a:buNone/>
               <a:tabLst/>
               <a:defRPr/>
             </a:pPr>
-            <a:r>
-              <a:rPr lang="en-US" b="1" dirty="0"/>
-              <a:t> </a:t>
-            </a:r>
-            <a:r>
-              <a:rPr lang="en-US" dirty="0"/>
-              <a:t>Backend is mostly shared code, though some platform-specific backend code may be necessary.</a:t>
-            </a:r>
-          </a:p>
-          <a:p>
-            <a:pPr marL="0" marR="0" lvl="0" indent="0" algn="l" defTabSz="914400" rtl="0" eaLnBrk="1" fontAlgn="auto" latinLnBrk="0" hangingPunct="1">
-              <a:lnSpc>
-                <a:spcPct val="100000"/>
-              </a:lnSpc>
-              <a:spcBef>
-                <a:spcPts val="0"/>
-              </a:spcBef>
-              <a:spcAft>
-                <a:spcPts val="0"/>
-              </a:spcAft>
-              <a:buClrTx/>
-              <a:buSzTx/>
-              <a:buFont typeface="Arial" pitchFamily="34" charset="0"/>
-              <a:buChar char="•"/>
-              <a:tabLst/>
-              <a:defRPr/>
-            </a:pPr>
-            <a:r>
-              <a:rPr lang="en-US" dirty="0"/>
-              <a:t> UI code can be shared with </a:t>
-            </a:r>
-            <a:r>
-              <a:rPr lang="en-US" dirty="0" err="1"/>
-              <a:t>Xamarin.Forms</a:t>
-            </a:r>
-            <a:r>
-              <a:rPr lang="en-US" dirty="0"/>
-              <a:t> (explained in a later lesson). Otherwise, the UI code is platform-specific. </a:t>
-            </a:r>
-          </a:p>
-          <a:p>
-            <a:pPr marL="0" marR="0" lvl="0" indent="0" algn="l" defTabSz="914400" rtl="0" eaLnBrk="1" fontAlgn="auto" latinLnBrk="0" hangingPunct="1">
-              <a:lnSpc>
-                <a:spcPct val="100000"/>
-              </a:lnSpc>
-              <a:spcBef>
-                <a:spcPts val="0"/>
-              </a:spcBef>
-              <a:spcAft>
-                <a:spcPts val="0"/>
-              </a:spcAft>
-              <a:buClrTx/>
-              <a:buSzTx/>
-              <a:buFont typeface="Arial" pitchFamily="34" charset="0"/>
-              <a:buChar char="•"/>
-              <a:tabLst/>
-              <a:defRPr/>
-            </a:pPr>
-            <a:r>
-              <a:rPr lang="en-US" dirty="0"/>
-              <a:t> Code reuse among the UIs is achievable and will also be explained later.</a:t>
-            </a:r>
+            <a:endParaRPr lang="en-US" dirty="0"/>
           </a:p>
         </p:txBody>
       </p:sp>
@@ -1019,7 +987,6 @@
           <a:p>
             <a:fld id="{01283FAC-A721-45A3-BBDE-EAF2B09B7CD9}" type="slidenum">
               <a:rPr lang="en-US" smtClean="0"/>
-              <a:pPr/>
               <a:t>12</a:t>
             </a:fld>
             <a:endParaRPr lang="en-US"/>
@@ -1029,7 +996,7 @@
     </p:spTree>
     <p:extLst>
       <p:ext uri="{BB962C8B-B14F-4D97-AF65-F5344CB8AC3E}">
-        <p14:creationId xmlns:p14="http://schemas.microsoft.com/office/powerpoint/2010/main" val="3512786746"/>
+        <p14:creationId xmlns:p14="http://schemas.microsoft.com/office/powerpoint/2010/main" val="2198557049"/>
       </p:ext>
     </p:extLst>
   </p:cSld>
@@ -1040,773 +1007,6 @@
 </file>
 
 <file path=ppt/notesSlides/notesSlide13.xml><?xml version="1.0" encoding="utf-8"?>
-<p:notes xmlns:a="http://schemas.openxmlformats.org/drawingml/2006/main" xmlns:r="http://schemas.openxmlformats.org/officeDocument/2006/relationships" xmlns:p="http://schemas.openxmlformats.org/presentationml/2006/main">
-  <p:cSld>
-    <p:spTree>
-      <p:nvGrpSpPr>
-        <p:cNvPr id="1" name=""/>
-        <p:cNvGrpSpPr/>
-        <p:nvPr/>
-      </p:nvGrpSpPr>
-      <p:grpSpPr>
-        <a:xfrm>
-          <a:off x="0" y="0"/>
-          <a:ext cx="0" cy="0"/>
-          <a:chOff x="0" y="0"/>
-          <a:chExt cx="0" cy="0"/>
-        </a:xfrm>
-      </p:grpSpPr>
-      <p:sp>
-        <p:nvSpPr>
-          <p:cNvPr id="65538" name="Slide Image Placeholder 1"/>
-          <p:cNvSpPr>
-            <a:spLocks noGrp="1" noRot="1" noChangeAspect="1" noTextEdit="1"/>
-          </p:cNvSpPr>
-          <p:nvPr>
-            <p:ph type="sldImg"/>
-          </p:nvPr>
-        </p:nvSpPr>
-        <p:spPr bwMode="auto">
-          <a:noFill/>
-          <a:ln>
-            <a:solidFill>
-              <a:srgbClr val="000000"/>
-            </a:solidFill>
-            <a:miter lim="800000"/>
-            <a:headEnd/>
-            <a:tailEnd/>
-          </a:ln>
-          <a:extLst>
-            <a:ext uri="{909E8E84-426E-40dd-AFC4-6F175D3DCCD1}">
-              <a14:hiddenFill xmlns:a14="http://schemas.microsoft.com/office/drawing/2010/main">
-                <a:solidFill>
-                  <a:srgbClr val="FFFFFF"/>
-                </a:solidFill>
-              </a14:hiddenFill>
-            </a:ext>
-          </a:extLst>
-        </p:spPr>
-      </p:sp>
-      <p:sp>
-        <p:nvSpPr>
-          <p:cNvPr id="65539" name="Notes Placeholder 2"/>
-          <p:cNvSpPr>
-            <a:spLocks noGrp="1"/>
-          </p:cNvSpPr>
-          <p:nvPr>
-            <p:ph type="body" idx="1"/>
-          </p:nvPr>
-        </p:nvSpPr>
-        <p:spPr bwMode="auto">
-          <a:noFill/>
-          <a:extLst>
-            <a:ext uri="{909E8E84-426E-40dd-AFC4-6F175D3DCCD1}">
-              <a14:hiddenFill xmlns:a14="http://schemas.microsoft.com/office/drawing/2010/main">
-                <a:solidFill>
-                  <a:srgbClr val="FFFFFF"/>
-                </a:solidFill>
-              </a14:hiddenFill>
-            </a:ext>
-            <a:ext uri="{91240B29-F687-4f45-9708-019B960494DF}">
-              <a14:hiddenLine xmlns:a14="http://schemas.microsoft.com/office/drawing/2010/main" w="9525">
-                <a:solidFill>
-                  <a:srgbClr val="000000"/>
-                </a:solidFill>
-                <a:miter lim="800000"/>
-                <a:headEnd/>
-                <a:tailEnd/>
-              </a14:hiddenLine>
-            </a:ext>
-          </a:extLst>
-        </p:spPr>
-        <p:txBody>
-          <a:bodyPr wrap="square" numCol="1" anchor="t" anchorCtr="0" compatLnSpc="1">
-            <a:prstTxWarp prst="textNoShape">
-              <a:avLst/>
-            </a:prstTxWarp>
-          </a:bodyPr>
-          <a:lstStyle/>
-          <a:p>
-            <a:pPr marL="0" indent="0">
-              <a:buFont typeface="Arial"/>
-              <a:buNone/>
-            </a:pPr>
-            <a:r>
-              <a:rPr lang="en-US" altLang="en-US" b="1" dirty="0" smtClean="0"/>
-              <a:t>Notes:</a:t>
-            </a:r>
-          </a:p>
-          <a:p>
-            <a:pPr marL="171450" indent="-171450">
-              <a:buFont typeface="Arial"/>
-              <a:buChar char="•"/>
-            </a:pPr>
-            <a:r>
-              <a:rPr lang="en-US" altLang="en-US" dirty="0" smtClean="0"/>
-              <a:t>Platform</a:t>
-            </a:r>
-            <a:r>
-              <a:rPr lang="en-US" altLang="en-US" dirty="0"/>
-              <a:t>-specific</a:t>
-            </a:r>
-            <a:r>
-              <a:rPr lang="en-US" altLang="en-US" baseline="0" dirty="0"/>
-              <a:t> is sometimes called Traditional architecture, and uses Xamarin.Android or Xamarin.iOS.</a:t>
-            </a:r>
-            <a:endParaRPr lang="en-US" altLang="en-US" dirty="0"/>
-          </a:p>
-        </p:txBody>
-      </p:sp>
-      <p:sp>
-        <p:nvSpPr>
-          <p:cNvPr id="65540" name="Slide Number Placeholder 3"/>
-          <p:cNvSpPr>
-            <a:spLocks noGrp="1"/>
-          </p:cNvSpPr>
-          <p:nvPr>
-            <p:ph type="sldNum" sz="quarter" idx="5"/>
-          </p:nvPr>
-        </p:nvSpPr>
-        <p:spPr bwMode="auto">
-          <a:noFill/>
-          <a:extLst>
-            <a:ext uri="{909E8E84-426E-40dd-AFC4-6F175D3DCCD1}">
-              <a14:hiddenFill xmlns:a14="http://schemas.microsoft.com/office/drawing/2010/main">
-                <a:solidFill>
-                  <a:srgbClr val="FFFFFF"/>
-                </a:solidFill>
-              </a14:hiddenFill>
-            </a:ext>
-            <a:ext uri="{91240B29-F687-4f45-9708-019B960494DF}">
-              <a14:hiddenLine xmlns:a14="http://schemas.microsoft.com/office/drawing/2010/main" w="9525">
-                <a:solidFill>
-                  <a:srgbClr val="000000"/>
-                </a:solidFill>
-                <a:miter lim="800000"/>
-                <a:headEnd/>
-                <a:tailEnd/>
-              </a14:hiddenLine>
-            </a:ext>
-          </a:extLst>
-        </p:spPr>
-        <p:txBody>
-          <a:bodyPr/>
-          <a:lstStyle>
-            <a:lvl1pPr>
-              <a:defRPr>
-                <a:solidFill>
-                  <a:schemeClr val="tx1"/>
-                </a:solidFill>
-                <a:latin typeface="Arial" panose="020B0604020202020204" pitchFamily="34" charset="0"/>
-              </a:defRPr>
-            </a:lvl1pPr>
-            <a:lvl2pPr marL="742950" indent="-285750">
-              <a:defRPr>
-                <a:solidFill>
-                  <a:schemeClr val="tx1"/>
-                </a:solidFill>
-                <a:latin typeface="Arial" panose="020B0604020202020204" pitchFamily="34" charset="0"/>
-              </a:defRPr>
-            </a:lvl2pPr>
-            <a:lvl3pPr marL="1143000" indent="-228600">
-              <a:defRPr>
-                <a:solidFill>
-                  <a:schemeClr val="tx1"/>
-                </a:solidFill>
-                <a:latin typeface="Arial" panose="020B0604020202020204" pitchFamily="34" charset="0"/>
-              </a:defRPr>
-            </a:lvl3pPr>
-            <a:lvl4pPr marL="1600200" indent="-228600">
-              <a:defRPr>
-                <a:solidFill>
-                  <a:schemeClr val="tx1"/>
-                </a:solidFill>
-                <a:latin typeface="Arial" panose="020B0604020202020204" pitchFamily="34" charset="0"/>
-              </a:defRPr>
-            </a:lvl4pPr>
-            <a:lvl5pPr marL="2057400" indent="-228600">
-              <a:defRPr>
-                <a:solidFill>
-                  <a:schemeClr val="tx1"/>
-                </a:solidFill>
-                <a:latin typeface="Arial" panose="020B0604020202020204" pitchFamily="34" charset="0"/>
-              </a:defRPr>
-            </a:lvl5pPr>
-            <a:lvl6pPr marL="2514600" indent="-228600" eaLnBrk="0" fontAlgn="base" hangingPunct="0">
-              <a:spcBef>
-                <a:spcPct val="0"/>
-              </a:spcBef>
-              <a:spcAft>
-                <a:spcPct val="0"/>
-              </a:spcAft>
-              <a:defRPr>
-                <a:solidFill>
-                  <a:schemeClr val="tx1"/>
-                </a:solidFill>
-                <a:latin typeface="Arial" panose="020B0604020202020204" pitchFamily="34" charset="0"/>
-              </a:defRPr>
-            </a:lvl6pPr>
-            <a:lvl7pPr marL="2971800" indent="-228600" eaLnBrk="0" fontAlgn="base" hangingPunct="0">
-              <a:spcBef>
-                <a:spcPct val="0"/>
-              </a:spcBef>
-              <a:spcAft>
-                <a:spcPct val="0"/>
-              </a:spcAft>
-              <a:defRPr>
-                <a:solidFill>
-                  <a:schemeClr val="tx1"/>
-                </a:solidFill>
-                <a:latin typeface="Arial" panose="020B0604020202020204" pitchFamily="34" charset="0"/>
-              </a:defRPr>
-            </a:lvl7pPr>
-            <a:lvl8pPr marL="3429000" indent="-228600" eaLnBrk="0" fontAlgn="base" hangingPunct="0">
-              <a:spcBef>
-                <a:spcPct val="0"/>
-              </a:spcBef>
-              <a:spcAft>
-                <a:spcPct val="0"/>
-              </a:spcAft>
-              <a:defRPr>
-                <a:solidFill>
-                  <a:schemeClr val="tx1"/>
-                </a:solidFill>
-                <a:latin typeface="Arial" panose="020B0604020202020204" pitchFamily="34" charset="0"/>
-              </a:defRPr>
-            </a:lvl8pPr>
-            <a:lvl9pPr marL="3886200" indent="-228600" eaLnBrk="0" fontAlgn="base" hangingPunct="0">
-              <a:spcBef>
-                <a:spcPct val="0"/>
-              </a:spcBef>
-              <a:spcAft>
-                <a:spcPct val="0"/>
-              </a:spcAft>
-              <a:defRPr>
-                <a:solidFill>
-                  <a:schemeClr val="tx1"/>
-                </a:solidFill>
-                <a:latin typeface="Arial" panose="020B0604020202020204" pitchFamily="34" charset="0"/>
-              </a:defRPr>
-            </a:lvl9pPr>
-          </a:lstStyle>
-          <a:p>
-            <a:fld id="{008758EF-1FE7-4D04-A486-9B7A2D5750E5}" type="slidenum">
-              <a:rPr lang="en-US" altLang="en-US" smtClean="0"/>
-              <a:pPr/>
-              <a:t>13</a:t>
-            </a:fld>
-            <a:endParaRPr lang="en-US" altLang="en-US"/>
-          </a:p>
-        </p:txBody>
-      </p:sp>
-    </p:spTree>
-    <p:extLst>
-      <p:ext uri="{BB962C8B-B14F-4D97-AF65-F5344CB8AC3E}">
-        <p14:creationId xmlns:p14="http://schemas.microsoft.com/office/powerpoint/2010/main" val="3005749057"/>
-      </p:ext>
-    </p:extLst>
-  </p:cSld>
-  <p:clrMapOvr>
-    <a:masterClrMapping/>
-  </p:clrMapOvr>
-</p:notes>
-</file>
-
-<file path=ppt/notesSlides/notesSlide14.xml><?xml version="1.0" encoding="utf-8"?>
-<p:notes xmlns:a="http://schemas.openxmlformats.org/drawingml/2006/main" xmlns:r="http://schemas.openxmlformats.org/officeDocument/2006/relationships" xmlns:p="http://schemas.openxmlformats.org/presentationml/2006/main">
-  <p:cSld>
-    <p:spTree>
-      <p:nvGrpSpPr>
-        <p:cNvPr id="1" name=""/>
-        <p:cNvGrpSpPr/>
-        <p:nvPr/>
-      </p:nvGrpSpPr>
-      <p:grpSpPr>
-        <a:xfrm>
-          <a:off x="0" y="0"/>
-          <a:ext cx="0" cy="0"/>
-          <a:chOff x="0" y="0"/>
-          <a:chExt cx="0" cy="0"/>
-        </a:xfrm>
-      </p:grpSpPr>
-      <p:sp>
-        <p:nvSpPr>
-          <p:cNvPr id="67586" name="Slide Image Placeholder 1"/>
-          <p:cNvSpPr>
-            <a:spLocks noGrp="1" noRot="1" noChangeAspect="1" noTextEdit="1"/>
-          </p:cNvSpPr>
-          <p:nvPr>
-            <p:ph type="sldImg"/>
-          </p:nvPr>
-        </p:nvSpPr>
-        <p:spPr bwMode="auto">
-          <a:noFill/>
-          <a:ln>
-            <a:solidFill>
-              <a:srgbClr val="000000"/>
-            </a:solidFill>
-            <a:miter lim="800000"/>
-            <a:headEnd/>
-            <a:tailEnd/>
-          </a:ln>
-          <a:extLst>
-            <a:ext uri="{909E8E84-426E-40dd-AFC4-6F175D3DCCD1}">
-              <a14:hiddenFill xmlns:a14="http://schemas.microsoft.com/office/drawing/2010/main">
-                <a:solidFill>
-                  <a:srgbClr val="FFFFFF"/>
-                </a:solidFill>
-              </a14:hiddenFill>
-            </a:ext>
-          </a:extLst>
-        </p:spPr>
-      </p:sp>
-      <p:sp>
-        <p:nvSpPr>
-          <p:cNvPr id="67587" name="Notes Placeholder 2"/>
-          <p:cNvSpPr>
-            <a:spLocks noGrp="1"/>
-          </p:cNvSpPr>
-          <p:nvPr>
-            <p:ph type="body" idx="1"/>
-          </p:nvPr>
-        </p:nvSpPr>
-        <p:spPr bwMode="auto">
-          <a:noFill/>
-          <a:extLst>
-            <a:ext uri="{909E8E84-426E-40dd-AFC4-6F175D3DCCD1}">
-              <a14:hiddenFill xmlns:a14="http://schemas.microsoft.com/office/drawing/2010/main">
-                <a:solidFill>
-                  <a:srgbClr val="FFFFFF"/>
-                </a:solidFill>
-              </a14:hiddenFill>
-            </a:ext>
-            <a:ext uri="{91240B29-F687-4f45-9708-019B960494DF}">
-              <a14:hiddenLine xmlns:a14="http://schemas.microsoft.com/office/drawing/2010/main" w="9525">
-                <a:solidFill>
-                  <a:srgbClr val="000000"/>
-                </a:solidFill>
-                <a:miter lim="800000"/>
-                <a:headEnd/>
-                <a:tailEnd/>
-              </a14:hiddenLine>
-            </a:ext>
-          </a:extLst>
-        </p:spPr>
-        <p:txBody>
-          <a:bodyPr wrap="square" numCol="1" anchor="t" anchorCtr="0" compatLnSpc="1">
-            <a:prstTxWarp prst="textNoShape">
-              <a:avLst/>
-            </a:prstTxWarp>
-          </a:bodyPr>
-          <a:lstStyle/>
-          <a:p>
-            <a:endParaRPr lang="en-US" altLang="en-US"/>
-          </a:p>
-        </p:txBody>
-      </p:sp>
-      <p:sp>
-        <p:nvSpPr>
-          <p:cNvPr id="67588" name="Slide Number Placeholder 3"/>
-          <p:cNvSpPr>
-            <a:spLocks noGrp="1"/>
-          </p:cNvSpPr>
-          <p:nvPr>
-            <p:ph type="sldNum" sz="quarter" idx="5"/>
-          </p:nvPr>
-        </p:nvSpPr>
-        <p:spPr bwMode="auto">
-          <a:noFill/>
-          <a:extLst>
-            <a:ext uri="{909E8E84-426E-40dd-AFC4-6F175D3DCCD1}">
-              <a14:hiddenFill xmlns:a14="http://schemas.microsoft.com/office/drawing/2010/main">
-                <a:solidFill>
-                  <a:srgbClr val="FFFFFF"/>
-                </a:solidFill>
-              </a14:hiddenFill>
-            </a:ext>
-            <a:ext uri="{91240B29-F687-4f45-9708-019B960494DF}">
-              <a14:hiddenLine xmlns:a14="http://schemas.microsoft.com/office/drawing/2010/main" w="9525">
-                <a:solidFill>
-                  <a:srgbClr val="000000"/>
-                </a:solidFill>
-                <a:miter lim="800000"/>
-                <a:headEnd/>
-                <a:tailEnd/>
-              </a14:hiddenLine>
-            </a:ext>
-          </a:extLst>
-        </p:spPr>
-        <p:txBody>
-          <a:bodyPr/>
-          <a:lstStyle>
-            <a:lvl1pPr>
-              <a:defRPr>
-                <a:solidFill>
-                  <a:schemeClr val="tx1"/>
-                </a:solidFill>
-                <a:latin typeface="Arial" panose="020B0604020202020204" pitchFamily="34" charset="0"/>
-              </a:defRPr>
-            </a:lvl1pPr>
-            <a:lvl2pPr marL="742950" indent="-285750">
-              <a:defRPr>
-                <a:solidFill>
-                  <a:schemeClr val="tx1"/>
-                </a:solidFill>
-                <a:latin typeface="Arial" panose="020B0604020202020204" pitchFamily="34" charset="0"/>
-              </a:defRPr>
-            </a:lvl2pPr>
-            <a:lvl3pPr marL="1143000" indent="-228600">
-              <a:defRPr>
-                <a:solidFill>
-                  <a:schemeClr val="tx1"/>
-                </a:solidFill>
-                <a:latin typeface="Arial" panose="020B0604020202020204" pitchFamily="34" charset="0"/>
-              </a:defRPr>
-            </a:lvl3pPr>
-            <a:lvl4pPr marL="1600200" indent="-228600">
-              <a:defRPr>
-                <a:solidFill>
-                  <a:schemeClr val="tx1"/>
-                </a:solidFill>
-                <a:latin typeface="Arial" panose="020B0604020202020204" pitchFamily="34" charset="0"/>
-              </a:defRPr>
-            </a:lvl4pPr>
-            <a:lvl5pPr marL="2057400" indent="-228600">
-              <a:defRPr>
-                <a:solidFill>
-                  <a:schemeClr val="tx1"/>
-                </a:solidFill>
-                <a:latin typeface="Arial" panose="020B0604020202020204" pitchFamily="34" charset="0"/>
-              </a:defRPr>
-            </a:lvl5pPr>
-            <a:lvl6pPr marL="2514600" indent="-228600" eaLnBrk="0" fontAlgn="base" hangingPunct="0">
-              <a:spcBef>
-                <a:spcPct val="0"/>
-              </a:spcBef>
-              <a:spcAft>
-                <a:spcPct val="0"/>
-              </a:spcAft>
-              <a:defRPr>
-                <a:solidFill>
-                  <a:schemeClr val="tx1"/>
-                </a:solidFill>
-                <a:latin typeface="Arial" panose="020B0604020202020204" pitchFamily="34" charset="0"/>
-              </a:defRPr>
-            </a:lvl6pPr>
-            <a:lvl7pPr marL="2971800" indent="-228600" eaLnBrk="0" fontAlgn="base" hangingPunct="0">
-              <a:spcBef>
-                <a:spcPct val="0"/>
-              </a:spcBef>
-              <a:spcAft>
-                <a:spcPct val="0"/>
-              </a:spcAft>
-              <a:defRPr>
-                <a:solidFill>
-                  <a:schemeClr val="tx1"/>
-                </a:solidFill>
-                <a:latin typeface="Arial" panose="020B0604020202020204" pitchFamily="34" charset="0"/>
-              </a:defRPr>
-            </a:lvl7pPr>
-            <a:lvl8pPr marL="3429000" indent="-228600" eaLnBrk="0" fontAlgn="base" hangingPunct="0">
-              <a:spcBef>
-                <a:spcPct val="0"/>
-              </a:spcBef>
-              <a:spcAft>
-                <a:spcPct val="0"/>
-              </a:spcAft>
-              <a:defRPr>
-                <a:solidFill>
-                  <a:schemeClr val="tx1"/>
-                </a:solidFill>
-                <a:latin typeface="Arial" panose="020B0604020202020204" pitchFamily="34" charset="0"/>
-              </a:defRPr>
-            </a:lvl8pPr>
-            <a:lvl9pPr marL="3886200" indent="-228600" eaLnBrk="0" fontAlgn="base" hangingPunct="0">
-              <a:spcBef>
-                <a:spcPct val="0"/>
-              </a:spcBef>
-              <a:spcAft>
-                <a:spcPct val="0"/>
-              </a:spcAft>
-              <a:defRPr>
-                <a:solidFill>
-                  <a:schemeClr val="tx1"/>
-                </a:solidFill>
-                <a:latin typeface="Arial" panose="020B0604020202020204" pitchFamily="34" charset="0"/>
-              </a:defRPr>
-            </a:lvl9pPr>
-          </a:lstStyle>
-          <a:p>
-            <a:fld id="{121A4569-3EE5-440D-A74A-B27CFF9D6825}" type="slidenum">
-              <a:rPr lang="en-US" altLang="en-US" smtClean="0"/>
-              <a:pPr/>
-              <a:t>14</a:t>
-            </a:fld>
-            <a:endParaRPr lang="en-US" altLang="en-US"/>
-          </a:p>
-        </p:txBody>
-      </p:sp>
-    </p:spTree>
-    <p:extLst>
-      <p:ext uri="{BB962C8B-B14F-4D97-AF65-F5344CB8AC3E}">
-        <p14:creationId xmlns:p14="http://schemas.microsoft.com/office/powerpoint/2010/main" val="2863781371"/>
-      </p:ext>
-    </p:extLst>
-  </p:cSld>
-  <p:clrMapOvr>
-    <a:masterClrMapping/>
-  </p:clrMapOvr>
-</p:notes>
-</file>
-
-<file path=ppt/notesSlides/notesSlide15.xml><?xml version="1.0" encoding="utf-8"?>
-<p:notes xmlns:a="http://schemas.openxmlformats.org/drawingml/2006/main" xmlns:r="http://schemas.openxmlformats.org/officeDocument/2006/relationships" xmlns:p="http://schemas.openxmlformats.org/presentationml/2006/main">
-  <p:cSld>
-    <p:spTree>
-      <p:nvGrpSpPr>
-        <p:cNvPr id="1" name=""/>
-        <p:cNvGrpSpPr/>
-        <p:nvPr/>
-      </p:nvGrpSpPr>
-      <p:grpSpPr>
-        <a:xfrm>
-          <a:off x="0" y="0"/>
-          <a:ext cx="0" cy="0"/>
-          <a:chOff x="0" y="0"/>
-          <a:chExt cx="0" cy="0"/>
-        </a:xfrm>
-      </p:grpSpPr>
-      <p:sp>
-        <p:nvSpPr>
-          <p:cNvPr id="70658" name="Slide Image Placeholder 1"/>
-          <p:cNvSpPr>
-            <a:spLocks noGrp="1" noRot="1" noChangeAspect="1" noTextEdit="1"/>
-          </p:cNvSpPr>
-          <p:nvPr>
-            <p:ph type="sldImg"/>
-          </p:nvPr>
-        </p:nvSpPr>
-        <p:spPr bwMode="auto">
-          <a:noFill/>
-          <a:ln>
-            <a:solidFill>
-              <a:srgbClr val="000000"/>
-            </a:solidFill>
-            <a:miter lim="800000"/>
-            <a:headEnd/>
-            <a:tailEnd/>
-          </a:ln>
-          <a:extLst>
-            <a:ext uri="{909E8E84-426E-40dd-AFC4-6F175D3DCCD1}">
-              <a14:hiddenFill xmlns:a14="http://schemas.microsoft.com/office/drawing/2010/main">
-                <a:solidFill>
-                  <a:srgbClr val="FFFFFF"/>
-                </a:solidFill>
-              </a14:hiddenFill>
-            </a:ext>
-          </a:extLst>
-        </p:spPr>
-      </p:sp>
-      <p:sp>
-        <p:nvSpPr>
-          <p:cNvPr id="70659" name="Notes Placeholder 2"/>
-          <p:cNvSpPr>
-            <a:spLocks noGrp="1"/>
-          </p:cNvSpPr>
-          <p:nvPr>
-            <p:ph type="body" idx="1"/>
-          </p:nvPr>
-        </p:nvSpPr>
-        <p:spPr bwMode="auto">
-          <a:noFill/>
-          <a:extLst>
-            <a:ext uri="{909E8E84-426E-40dd-AFC4-6F175D3DCCD1}">
-              <a14:hiddenFill xmlns:a14="http://schemas.microsoft.com/office/drawing/2010/main">
-                <a:solidFill>
-                  <a:srgbClr val="FFFFFF"/>
-                </a:solidFill>
-              </a14:hiddenFill>
-            </a:ext>
-            <a:ext uri="{91240B29-F687-4f45-9708-019B960494DF}">
-              <a14:hiddenLine xmlns:a14="http://schemas.microsoft.com/office/drawing/2010/main" w="9525">
-                <a:solidFill>
-                  <a:srgbClr val="000000"/>
-                </a:solidFill>
-                <a:miter lim="800000"/>
-                <a:headEnd/>
-                <a:tailEnd/>
-              </a14:hiddenLine>
-            </a:ext>
-          </a:extLst>
-        </p:spPr>
-        <p:txBody>
-          <a:bodyPr wrap="square" numCol="1" anchor="t" anchorCtr="0" compatLnSpc="1">
-            <a:prstTxWarp prst="textNoShape">
-              <a:avLst/>
-            </a:prstTxWarp>
-          </a:bodyPr>
-          <a:lstStyle/>
-          <a:p>
-            <a:endParaRPr lang="en-US" altLang="en-US"/>
-          </a:p>
-        </p:txBody>
-      </p:sp>
-      <p:sp>
-        <p:nvSpPr>
-          <p:cNvPr id="70660" name="Slide Number Placeholder 3"/>
-          <p:cNvSpPr>
-            <a:spLocks noGrp="1"/>
-          </p:cNvSpPr>
-          <p:nvPr>
-            <p:ph type="sldNum" sz="quarter" idx="5"/>
-          </p:nvPr>
-        </p:nvSpPr>
-        <p:spPr bwMode="auto">
-          <a:noFill/>
-          <a:extLst>
-            <a:ext uri="{909E8E84-426E-40dd-AFC4-6F175D3DCCD1}">
-              <a14:hiddenFill xmlns:a14="http://schemas.microsoft.com/office/drawing/2010/main">
-                <a:solidFill>
-                  <a:srgbClr val="FFFFFF"/>
-                </a:solidFill>
-              </a14:hiddenFill>
-            </a:ext>
-            <a:ext uri="{91240B29-F687-4f45-9708-019B960494DF}">
-              <a14:hiddenLine xmlns:a14="http://schemas.microsoft.com/office/drawing/2010/main" w="9525">
-                <a:solidFill>
-                  <a:srgbClr val="000000"/>
-                </a:solidFill>
-                <a:miter lim="800000"/>
-                <a:headEnd/>
-                <a:tailEnd/>
-              </a14:hiddenLine>
-            </a:ext>
-          </a:extLst>
-        </p:spPr>
-        <p:txBody>
-          <a:bodyPr/>
-          <a:lstStyle>
-            <a:lvl1pPr>
-              <a:defRPr>
-                <a:solidFill>
-                  <a:schemeClr val="tx1"/>
-                </a:solidFill>
-                <a:latin typeface="Arial" panose="020B0604020202020204" pitchFamily="34" charset="0"/>
-              </a:defRPr>
-            </a:lvl1pPr>
-            <a:lvl2pPr marL="742950" indent="-285750">
-              <a:defRPr>
-                <a:solidFill>
-                  <a:schemeClr val="tx1"/>
-                </a:solidFill>
-                <a:latin typeface="Arial" panose="020B0604020202020204" pitchFamily="34" charset="0"/>
-              </a:defRPr>
-            </a:lvl2pPr>
-            <a:lvl3pPr marL="1143000" indent="-228600">
-              <a:defRPr>
-                <a:solidFill>
-                  <a:schemeClr val="tx1"/>
-                </a:solidFill>
-                <a:latin typeface="Arial" panose="020B0604020202020204" pitchFamily="34" charset="0"/>
-              </a:defRPr>
-            </a:lvl3pPr>
-            <a:lvl4pPr marL="1600200" indent="-228600">
-              <a:defRPr>
-                <a:solidFill>
-                  <a:schemeClr val="tx1"/>
-                </a:solidFill>
-                <a:latin typeface="Arial" panose="020B0604020202020204" pitchFamily="34" charset="0"/>
-              </a:defRPr>
-            </a:lvl4pPr>
-            <a:lvl5pPr marL="2057400" indent="-228600">
-              <a:defRPr>
-                <a:solidFill>
-                  <a:schemeClr val="tx1"/>
-                </a:solidFill>
-                <a:latin typeface="Arial" panose="020B0604020202020204" pitchFamily="34" charset="0"/>
-              </a:defRPr>
-            </a:lvl5pPr>
-            <a:lvl6pPr marL="2514600" indent="-228600" eaLnBrk="0" fontAlgn="base" hangingPunct="0">
-              <a:spcBef>
-                <a:spcPct val="0"/>
-              </a:spcBef>
-              <a:spcAft>
-                <a:spcPct val="0"/>
-              </a:spcAft>
-              <a:defRPr>
-                <a:solidFill>
-                  <a:schemeClr val="tx1"/>
-                </a:solidFill>
-                <a:latin typeface="Arial" panose="020B0604020202020204" pitchFamily="34" charset="0"/>
-              </a:defRPr>
-            </a:lvl6pPr>
-            <a:lvl7pPr marL="2971800" indent="-228600" eaLnBrk="0" fontAlgn="base" hangingPunct="0">
-              <a:spcBef>
-                <a:spcPct val="0"/>
-              </a:spcBef>
-              <a:spcAft>
-                <a:spcPct val="0"/>
-              </a:spcAft>
-              <a:defRPr>
-                <a:solidFill>
-                  <a:schemeClr val="tx1"/>
-                </a:solidFill>
-                <a:latin typeface="Arial" panose="020B0604020202020204" pitchFamily="34" charset="0"/>
-              </a:defRPr>
-            </a:lvl7pPr>
-            <a:lvl8pPr marL="3429000" indent="-228600" eaLnBrk="0" fontAlgn="base" hangingPunct="0">
-              <a:spcBef>
-                <a:spcPct val="0"/>
-              </a:spcBef>
-              <a:spcAft>
-                <a:spcPct val="0"/>
-              </a:spcAft>
-              <a:defRPr>
-                <a:solidFill>
-                  <a:schemeClr val="tx1"/>
-                </a:solidFill>
-                <a:latin typeface="Arial" panose="020B0604020202020204" pitchFamily="34" charset="0"/>
-              </a:defRPr>
-            </a:lvl8pPr>
-            <a:lvl9pPr marL="3886200" indent="-228600" eaLnBrk="0" fontAlgn="base" hangingPunct="0">
-              <a:spcBef>
-                <a:spcPct val="0"/>
-              </a:spcBef>
-              <a:spcAft>
-                <a:spcPct val="0"/>
-              </a:spcAft>
-              <a:defRPr>
-                <a:solidFill>
-                  <a:schemeClr val="tx1"/>
-                </a:solidFill>
-                <a:latin typeface="Arial" panose="020B0604020202020204" pitchFamily="34" charset="0"/>
-              </a:defRPr>
-            </a:lvl9pPr>
-          </a:lstStyle>
-          <a:p>
-            <a:fld id="{B27F4BEF-8773-4E7E-B8C1-B3C5D3F0C104}" type="slidenum">
-              <a:rPr lang="en-US" altLang="en-US" smtClean="0"/>
-              <a:pPr/>
-              <a:t>15</a:t>
-            </a:fld>
-            <a:endParaRPr lang="en-US" altLang="en-US"/>
-          </a:p>
-        </p:txBody>
-      </p:sp>
-    </p:spTree>
-    <p:extLst>
-      <p:ext uri="{BB962C8B-B14F-4D97-AF65-F5344CB8AC3E}">
-        <p14:creationId xmlns:p14="http://schemas.microsoft.com/office/powerpoint/2010/main" val="2855794096"/>
-      </p:ext>
-    </p:extLst>
-  </p:cSld>
-  <p:clrMapOvr>
-    <a:masterClrMapping/>
-  </p:clrMapOvr>
-</p:notes>
-</file>
-
-<file path=ppt/notesSlides/notesSlide16.xml><?xml version="1.0" encoding="utf-8"?>
 <p:notes xmlns:a="http://schemas.openxmlformats.org/drawingml/2006/main" xmlns:r="http://schemas.openxmlformats.org/officeDocument/2006/relationships" xmlns:p="http://schemas.openxmlformats.org/presentationml/2006/main">
   <p:cSld>
     <p:spTree>
@@ -1850,42 +1050,108 @@
           <a:bodyPr/>
           <a:lstStyle/>
           <a:p>
+            <a:pPr marL="0" marR="0" lvl="0" indent="0" algn="l" defTabSz="914400" rtl="0" eaLnBrk="1" fontAlgn="auto" latinLnBrk="0" hangingPunct="1">
+              <a:lnSpc>
+                <a:spcPct val="100000"/>
+              </a:lnSpc>
+              <a:spcBef>
+                <a:spcPts val="0"/>
+              </a:spcBef>
+              <a:spcAft>
+                <a:spcPts val="0"/>
+              </a:spcAft>
+              <a:buClrTx/>
+              <a:buSzTx/>
+              <a:buFontTx/>
+              <a:buNone/>
+              <a:tabLst/>
+              <a:defRPr/>
+            </a:pPr>
+            <a:r>
+              <a:rPr lang="en-US" b="1" dirty="0"/>
+              <a:t>Notes: </a:t>
+            </a:r>
+          </a:p>
+          <a:p>
+            <a:pPr marL="0" marR="0" lvl="0" indent="0" algn="l" defTabSz="914400" rtl="0" eaLnBrk="1" fontAlgn="auto" latinLnBrk="0" hangingPunct="1">
+              <a:lnSpc>
+                <a:spcPct val="100000"/>
+              </a:lnSpc>
+              <a:spcBef>
+                <a:spcPts val="0"/>
+              </a:spcBef>
+              <a:spcAft>
+                <a:spcPts val="0"/>
+              </a:spcAft>
+              <a:buClrTx/>
+              <a:buSzTx/>
+              <a:buFont typeface="Arial" pitchFamily="34" charset="0"/>
+              <a:buChar char="•"/>
+              <a:tabLst/>
+              <a:defRPr/>
+            </a:pPr>
+            <a:r>
+              <a:rPr lang="en-US" b="1" dirty="0"/>
+              <a:t> </a:t>
+            </a:r>
             <a:r>
               <a:rPr lang="en-US" dirty="0"/>
-              <a:t>Xamarin is free with all versions of Visual Studio, even the free</a:t>
-            </a:r>
-            <a:r>
-              <a:rPr lang="en-US" baseline="0" dirty="0"/>
-              <a:t> Community Edition.</a:t>
-            </a:r>
-            <a:endParaRPr lang="en-US" dirty="0"/>
-          </a:p>
-          <a:p>
+              <a:t>Backend is mostly shared code, though some platform-specific backend code may be necessary.</a:t>
+            </a:r>
+          </a:p>
+          <a:p>
+            <a:pPr marL="0" marR="0" lvl="0" indent="0" algn="l" defTabSz="914400" rtl="0" eaLnBrk="1" fontAlgn="auto" latinLnBrk="0" hangingPunct="1">
+              <a:lnSpc>
+                <a:spcPct val="100000"/>
+              </a:lnSpc>
+              <a:spcBef>
+                <a:spcPts val="0"/>
+              </a:spcBef>
+              <a:spcAft>
+                <a:spcPts val="0"/>
+              </a:spcAft>
+              <a:buClrTx/>
+              <a:buSzTx/>
+              <a:buFont typeface="Arial" pitchFamily="34" charset="0"/>
+              <a:buChar char="•"/>
+              <a:tabLst/>
+              <a:defRPr/>
+            </a:pPr>
             <a:r>
               <a:rPr lang="en-US" dirty="0"/>
-              <a:t>Android Player is also included in this image.</a:t>
-            </a:r>
-            <a:r>
-              <a:rPr lang="en-US" baseline="0" dirty="0"/>
-              <a:t>  Downloaded separately (but free).</a:t>
-            </a:r>
-          </a:p>
-          <a:p>
-            <a:endParaRPr lang="en-US" baseline="0" dirty="0"/>
-          </a:p>
-          <a:p>
-            <a:r>
-              <a:rPr lang="en-US" sz="1200" b="0" i="0" u="none" strike="noStrike" kern="1200" baseline="0" dirty="0">
-                <a:solidFill>
-                  <a:schemeClr val="tx1"/>
-                </a:solidFill>
-                <a:latin typeface="+mn-lt"/>
-                <a:ea typeface="+mn-ea"/>
-                <a:cs typeface="+mn-cs"/>
-              </a:rPr>
-              <a:t>Image from Xamarin Mobile Application Development by Dan Hermes  http://amzn.to/1rowG7K</a:t>
-            </a:r>
-            <a:endParaRPr lang="en-US" dirty="0"/>
+              <a:t> UI code can be shared with </a:t>
+            </a:r>
+            <a:r>
+              <a:rPr lang="en-US" dirty="0" err="1"/>
+              <a:t>Xamarin.Forms</a:t>
+            </a:r>
+            <a:r>
+              <a:rPr lang="en-US" dirty="0"/>
+              <a:t> (explained in a later lesson). Otherwise, the UI code is platform-specific. </a:t>
+            </a:r>
+          </a:p>
+          <a:p>
+            <a:pPr marL="0" marR="0" lvl="0" indent="0" algn="l" defTabSz="914400" rtl="0" eaLnBrk="1" fontAlgn="auto" latinLnBrk="0" hangingPunct="1">
+              <a:lnSpc>
+                <a:spcPct val="100000"/>
+              </a:lnSpc>
+              <a:spcBef>
+                <a:spcPts val="0"/>
+              </a:spcBef>
+              <a:spcAft>
+                <a:spcPts val="0"/>
+              </a:spcAft>
+              <a:buClrTx/>
+              <a:buSzTx/>
+              <a:buFont typeface="Arial" pitchFamily="34" charset="0"/>
+              <a:buChar char="•"/>
+              <a:tabLst/>
+              <a:defRPr/>
+            </a:pPr>
+            <a:r>
+              <a:rPr lang="en-US" dirty="0"/>
+              <a:t> Code reuse among the UIs is achievable and will also be explained later.</a:t>
+            </a:r>
           </a:p>
         </p:txBody>
       </p:sp>
@@ -1907,7 +1173,7 @@
             <a:fld id="{01283FAC-A721-45A3-BBDE-EAF2B09B7CD9}" type="slidenum">
               <a:rPr lang="en-US" smtClean="0"/>
               <a:pPr/>
-              <a:t>16</a:t>
+              <a:t>13</a:t>
             </a:fld>
             <a:endParaRPr lang="en-US"/>
           </a:p>
@@ -1916,7 +1182,770 @@
     </p:spTree>
     <p:extLst>
       <p:ext uri="{BB962C8B-B14F-4D97-AF65-F5344CB8AC3E}">
-        <p14:creationId xmlns:p14="http://schemas.microsoft.com/office/powerpoint/2010/main" val="4160093277"/>
+        <p14:creationId xmlns:p14="http://schemas.microsoft.com/office/powerpoint/2010/main" val="3512786746"/>
+      </p:ext>
+    </p:extLst>
+  </p:cSld>
+  <p:clrMapOvr>
+    <a:masterClrMapping/>
+  </p:clrMapOvr>
+</p:notes>
+</file>
+
+<file path=ppt/notesSlides/notesSlide14.xml><?xml version="1.0" encoding="utf-8"?>
+<p:notes xmlns:a="http://schemas.openxmlformats.org/drawingml/2006/main" xmlns:r="http://schemas.openxmlformats.org/officeDocument/2006/relationships" xmlns:p="http://schemas.openxmlformats.org/presentationml/2006/main">
+  <p:cSld>
+    <p:spTree>
+      <p:nvGrpSpPr>
+        <p:cNvPr id="1" name=""/>
+        <p:cNvGrpSpPr/>
+        <p:nvPr/>
+      </p:nvGrpSpPr>
+      <p:grpSpPr>
+        <a:xfrm>
+          <a:off x="0" y="0"/>
+          <a:ext cx="0" cy="0"/>
+          <a:chOff x="0" y="0"/>
+          <a:chExt cx="0" cy="0"/>
+        </a:xfrm>
+      </p:grpSpPr>
+      <p:sp>
+        <p:nvSpPr>
+          <p:cNvPr id="65538" name="Slide Image Placeholder 1"/>
+          <p:cNvSpPr>
+            <a:spLocks noGrp="1" noRot="1" noChangeAspect="1" noTextEdit="1"/>
+          </p:cNvSpPr>
+          <p:nvPr>
+            <p:ph type="sldImg"/>
+          </p:nvPr>
+        </p:nvSpPr>
+        <p:spPr bwMode="auto">
+          <a:noFill/>
+          <a:ln>
+            <a:solidFill>
+              <a:srgbClr val="000000"/>
+            </a:solidFill>
+            <a:miter lim="800000"/>
+            <a:headEnd/>
+            <a:tailEnd/>
+          </a:ln>
+          <a:extLst>
+            <a:ext uri="{909E8E84-426E-40dd-AFC4-6F175D3DCCD1}">
+              <a14:hiddenFill xmlns:a14="http://schemas.microsoft.com/office/drawing/2010/main">
+                <a:solidFill>
+                  <a:srgbClr val="FFFFFF"/>
+                </a:solidFill>
+              </a14:hiddenFill>
+            </a:ext>
+          </a:extLst>
+        </p:spPr>
+      </p:sp>
+      <p:sp>
+        <p:nvSpPr>
+          <p:cNvPr id="65539" name="Notes Placeholder 2"/>
+          <p:cNvSpPr>
+            <a:spLocks noGrp="1"/>
+          </p:cNvSpPr>
+          <p:nvPr>
+            <p:ph type="body" idx="1"/>
+          </p:nvPr>
+        </p:nvSpPr>
+        <p:spPr bwMode="auto">
+          <a:noFill/>
+          <a:extLst>
+            <a:ext uri="{909E8E84-426E-40dd-AFC4-6F175D3DCCD1}">
+              <a14:hiddenFill xmlns:a14="http://schemas.microsoft.com/office/drawing/2010/main">
+                <a:solidFill>
+                  <a:srgbClr val="FFFFFF"/>
+                </a:solidFill>
+              </a14:hiddenFill>
+            </a:ext>
+            <a:ext uri="{91240B29-F687-4f45-9708-019B960494DF}">
+              <a14:hiddenLine xmlns:a14="http://schemas.microsoft.com/office/drawing/2010/main" w="9525">
+                <a:solidFill>
+                  <a:srgbClr val="000000"/>
+                </a:solidFill>
+                <a:miter lim="800000"/>
+                <a:headEnd/>
+                <a:tailEnd/>
+              </a14:hiddenLine>
+            </a:ext>
+          </a:extLst>
+        </p:spPr>
+        <p:txBody>
+          <a:bodyPr wrap="square" numCol="1" anchor="t" anchorCtr="0" compatLnSpc="1">
+            <a:prstTxWarp prst="textNoShape">
+              <a:avLst/>
+            </a:prstTxWarp>
+          </a:bodyPr>
+          <a:lstStyle/>
+          <a:p>
+            <a:pPr marL="0" indent="0">
+              <a:buFont typeface="Arial"/>
+              <a:buNone/>
+            </a:pPr>
+            <a:r>
+              <a:rPr lang="en-US" altLang="en-US" b="1" dirty="0"/>
+              <a:t>Notes:</a:t>
+            </a:r>
+          </a:p>
+          <a:p>
+            <a:pPr marL="171450" indent="-171450">
+              <a:buFont typeface="Arial"/>
+              <a:buChar char="•"/>
+            </a:pPr>
+            <a:r>
+              <a:rPr lang="en-US" altLang="en-US" dirty="0"/>
+              <a:t>Platform-specific</a:t>
+            </a:r>
+            <a:r>
+              <a:rPr lang="en-US" altLang="en-US" baseline="0" dirty="0"/>
+              <a:t> is sometimes called Traditional architecture, and uses Xamarin.Android or Xamarin.iOS.</a:t>
+            </a:r>
+            <a:endParaRPr lang="en-US" altLang="en-US" dirty="0"/>
+          </a:p>
+        </p:txBody>
+      </p:sp>
+      <p:sp>
+        <p:nvSpPr>
+          <p:cNvPr id="65540" name="Slide Number Placeholder 3"/>
+          <p:cNvSpPr>
+            <a:spLocks noGrp="1"/>
+          </p:cNvSpPr>
+          <p:nvPr>
+            <p:ph type="sldNum" sz="quarter" idx="5"/>
+          </p:nvPr>
+        </p:nvSpPr>
+        <p:spPr bwMode="auto">
+          <a:noFill/>
+          <a:extLst>
+            <a:ext uri="{909E8E84-426E-40dd-AFC4-6F175D3DCCD1}">
+              <a14:hiddenFill xmlns:a14="http://schemas.microsoft.com/office/drawing/2010/main">
+                <a:solidFill>
+                  <a:srgbClr val="FFFFFF"/>
+                </a:solidFill>
+              </a14:hiddenFill>
+            </a:ext>
+            <a:ext uri="{91240B29-F687-4f45-9708-019B960494DF}">
+              <a14:hiddenLine xmlns:a14="http://schemas.microsoft.com/office/drawing/2010/main" w="9525">
+                <a:solidFill>
+                  <a:srgbClr val="000000"/>
+                </a:solidFill>
+                <a:miter lim="800000"/>
+                <a:headEnd/>
+                <a:tailEnd/>
+              </a14:hiddenLine>
+            </a:ext>
+          </a:extLst>
+        </p:spPr>
+        <p:txBody>
+          <a:bodyPr/>
+          <a:lstStyle>
+            <a:lvl1pPr>
+              <a:defRPr>
+                <a:solidFill>
+                  <a:schemeClr val="tx1"/>
+                </a:solidFill>
+                <a:latin typeface="Arial" panose="020B0604020202020204" pitchFamily="34" charset="0"/>
+              </a:defRPr>
+            </a:lvl1pPr>
+            <a:lvl2pPr marL="742950" indent="-285750">
+              <a:defRPr>
+                <a:solidFill>
+                  <a:schemeClr val="tx1"/>
+                </a:solidFill>
+                <a:latin typeface="Arial" panose="020B0604020202020204" pitchFamily="34" charset="0"/>
+              </a:defRPr>
+            </a:lvl2pPr>
+            <a:lvl3pPr marL="1143000" indent="-228600">
+              <a:defRPr>
+                <a:solidFill>
+                  <a:schemeClr val="tx1"/>
+                </a:solidFill>
+                <a:latin typeface="Arial" panose="020B0604020202020204" pitchFamily="34" charset="0"/>
+              </a:defRPr>
+            </a:lvl3pPr>
+            <a:lvl4pPr marL="1600200" indent="-228600">
+              <a:defRPr>
+                <a:solidFill>
+                  <a:schemeClr val="tx1"/>
+                </a:solidFill>
+                <a:latin typeface="Arial" panose="020B0604020202020204" pitchFamily="34" charset="0"/>
+              </a:defRPr>
+            </a:lvl4pPr>
+            <a:lvl5pPr marL="2057400" indent="-228600">
+              <a:defRPr>
+                <a:solidFill>
+                  <a:schemeClr val="tx1"/>
+                </a:solidFill>
+                <a:latin typeface="Arial" panose="020B0604020202020204" pitchFamily="34" charset="0"/>
+              </a:defRPr>
+            </a:lvl5pPr>
+            <a:lvl6pPr marL="2514600" indent="-228600" eaLnBrk="0" fontAlgn="base" hangingPunct="0">
+              <a:spcBef>
+                <a:spcPct val="0"/>
+              </a:spcBef>
+              <a:spcAft>
+                <a:spcPct val="0"/>
+              </a:spcAft>
+              <a:defRPr>
+                <a:solidFill>
+                  <a:schemeClr val="tx1"/>
+                </a:solidFill>
+                <a:latin typeface="Arial" panose="020B0604020202020204" pitchFamily="34" charset="0"/>
+              </a:defRPr>
+            </a:lvl6pPr>
+            <a:lvl7pPr marL="2971800" indent="-228600" eaLnBrk="0" fontAlgn="base" hangingPunct="0">
+              <a:spcBef>
+                <a:spcPct val="0"/>
+              </a:spcBef>
+              <a:spcAft>
+                <a:spcPct val="0"/>
+              </a:spcAft>
+              <a:defRPr>
+                <a:solidFill>
+                  <a:schemeClr val="tx1"/>
+                </a:solidFill>
+                <a:latin typeface="Arial" panose="020B0604020202020204" pitchFamily="34" charset="0"/>
+              </a:defRPr>
+            </a:lvl7pPr>
+            <a:lvl8pPr marL="3429000" indent="-228600" eaLnBrk="0" fontAlgn="base" hangingPunct="0">
+              <a:spcBef>
+                <a:spcPct val="0"/>
+              </a:spcBef>
+              <a:spcAft>
+                <a:spcPct val="0"/>
+              </a:spcAft>
+              <a:defRPr>
+                <a:solidFill>
+                  <a:schemeClr val="tx1"/>
+                </a:solidFill>
+                <a:latin typeface="Arial" panose="020B0604020202020204" pitchFamily="34" charset="0"/>
+              </a:defRPr>
+            </a:lvl8pPr>
+            <a:lvl9pPr marL="3886200" indent="-228600" eaLnBrk="0" fontAlgn="base" hangingPunct="0">
+              <a:spcBef>
+                <a:spcPct val="0"/>
+              </a:spcBef>
+              <a:spcAft>
+                <a:spcPct val="0"/>
+              </a:spcAft>
+              <a:defRPr>
+                <a:solidFill>
+                  <a:schemeClr val="tx1"/>
+                </a:solidFill>
+                <a:latin typeface="Arial" panose="020B0604020202020204" pitchFamily="34" charset="0"/>
+              </a:defRPr>
+            </a:lvl9pPr>
+          </a:lstStyle>
+          <a:p>
+            <a:fld id="{008758EF-1FE7-4D04-A486-9B7A2D5750E5}" type="slidenum">
+              <a:rPr lang="en-US" altLang="en-US" smtClean="0"/>
+              <a:pPr/>
+              <a:t>14</a:t>
+            </a:fld>
+            <a:endParaRPr lang="en-US" altLang="en-US"/>
+          </a:p>
+        </p:txBody>
+      </p:sp>
+    </p:spTree>
+    <p:extLst>
+      <p:ext uri="{BB962C8B-B14F-4D97-AF65-F5344CB8AC3E}">
+        <p14:creationId xmlns:p14="http://schemas.microsoft.com/office/powerpoint/2010/main" val="3005749057"/>
+      </p:ext>
+    </p:extLst>
+  </p:cSld>
+  <p:clrMapOvr>
+    <a:masterClrMapping/>
+  </p:clrMapOvr>
+</p:notes>
+</file>
+
+<file path=ppt/notesSlides/notesSlide15.xml><?xml version="1.0" encoding="utf-8"?>
+<p:notes xmlns:a="http://schemas.openxmlformats.org/drawingml/2006/main" xmlns:r="http://schemas.openxmlformats.org/officeDocument/2006/relationships" xmlns:p="http://schemas.openxmlformats.org/presentationml/2006/main">
+  <p:cSld>
+    <p:spTree>
+      <p:nvGrpSpPr>
+        <p:cNvPr id="1" name=""/>
+        <p:cNvGrpSpPr/>
+        <p:nvPr/>
+      </p:nvGrpSpPr>
+      <p:grpSpPr>
+        <a:xfrm>
+          <a:off x="0" y="0"/>
+          <a:ext cx="0" cy="0"/>
+          <a:chOff x="0" y="0"/>
+          <a:chExt cx="0" cy="0"/>
+        </a:xfrm>
+      </p:grpSpPr>
+      <p:sp>
+        <p:nvSpPr>
+          <p:cNvPr id="67586" name="Slide Image Placeholder 1"/>
+          <p:cNvSpPr>
+            <a:spLocks noGrp="1" noRot="1" noChangeAspect="1" noTextEdit="1"/>
+          </p:cNvSpPr>
+          <p:nvPr>
+            <p:ph type="sldImg"/>
+          </p:nvPr>
+        </p:nvSpPr>
+        <p:spPr bwMode="auto">
+          <a:noFill/>
+          <a:ln>
+            <a:solidFill>
+              <a:srgbClr val="000000"/>
+            </a:solidFill>
+            <a:miter lim="800000"/>
+            <a:headEnd/>
+            <a:tailEnd/>
+          </a:ln>
+          <a:extLst>
+            <a:ext uri="{909E8E84-426E-40dd-AFC4-6F175D3DCCD1}">
+              <a14:hiddenFill xmlns:a14="http://schemas.microsoft.com/office/drawing/2010/main">
+                <a:solidFill>
+                  <a:srgbClr val="FFFFFF"/>
+                </a:solidFill>
+              </a14:hiddenFill>
+            </a:ext>
+          </a:extLst>
+        </p:spPr>
+      </p:sp>
+      <p:sp>
+        <p:nvSpPr>
+          <p:cNvPr id="67587" name="Notes Placeholder 2"/>
+          <p:cNvSpPr>
+            <a:spLocks noGrp="1"/>
+          </p:cNvSpPr>
+          <p:nvPr>
+            <p:ph type="body" idx="1"/>
+          </p:nvPr>
+        </p:nvSpPr>
+        <p:spPr bwMode="auto">
+          <a:noFill/>
+          <a:extLst>
+            <a:ext uri="{909E8E84-426E-40dd-AFC4-6F175D3DCCD1}">
+              <a14:hiddenFill xmlns:a14="http://schemas.microsoft.com/office/drawing/2010/main">
+                <a:solidFill>
+                  <a:srgbClr val="FFFFFF"/>
+                </a:solidFill>
+              </a14:hiddenFill>
+            </a:ext>
+            <a:ext uri="{91240B29-F687-4f45-9708-019B960494DF}">
+              <a14:hiddenLine xmlns:a14="http://schemas.microsoft.com/office/drawing/2010/main" w="9525">
+                <a:solidFill>
+                  <a:srgbClr val="000000"/>
+                </a:solidFill>
+                <a:miter lim="800000"/>
+                <a:headEnd/>
+                <a:tailEnd/>
+              </a14:hiddenLine>
+            </a:ext>
+          </a:extLst>
+        </p:spPr>
+        <p:txBody>
+          <a:bodyPr wrap="square" numCol="1" anchor="t" anchorCtr="0" compatLnSpc="1">
+            <a:prstTxWarp prst="textNoShape">
+              <a:avLst/>
+            </a:prstTxWarp>
+          </a:bodyPr>
+          <a:lstStyle/>
+          <a:p>
+            <a:endParaRPr lang="en-US" altLang="en-US"/>
+          </a:p>
+        </p:txBody>
+      </p:sp>
+      <p:sp>
+        <p:nvSpPr>
+          <p:cNvPr id="67588" name="Slide Number Placeholder 3"/>
+          <p:cNvSpPr>
+            <a:spLocks noGrp="1"/>
+          </p:cNvSpPr>
+          <p:nvPr>
+            <p:ph type="sldNum" sz="quarter" idx="5"/>
+          </p:nvPr>
+        </p:nvSpPr>
+        <p:spPr bwMode="auto">
+          <a:noFill/>
+          <a:extLst>
+            <a:ext uri="{909E8E84-426E-40dd-AFC4-6F175D3DCCD1}">
+              <a14:hiddenFill xmlns:a14="http://schemas.microsoft.com/office/drawing/2010/main">
+                <a:solidFill>
+                  <a:srgbClr val="FFFFFF"/>
+                </a:solidFill>
+              </a14:hiddenFill>
+            </a:ext>
+            <a:ext uri="{91240B29-F687-4f45-9708-019B960494DF}">
+              <a14:hiddenLine xmlns:a14="http://schemas.microsoft.com/office/drawing/2010/main" w="9525">
+                <a:solidFill>
+                  <a:srgbClr val="000000"/>
+                </a:solidFill>
+                <a:miter lim="800000"/>
+                <a:headEnd/>
+                <a:tailEnd/>
+              </a14:hiddenLine>
+            </a:ext>
+          </a:extLst>
+        </p:spPr>
+        <p:txBody>
+          <a:bodyPr/>
+          <a:lstStyle>
+            <a:lvl1pPr>
+              <a:defRPr>
+                <a:solidFill>
+                  <a:schemeClr val="tx1"/>
+                </a:solidFill>
+                <a:latin typeface="Arial" panose="020B0604020202020204" pitchFamily="34" charset="0"/>
+              </a:defRPr>
+            </a:lvl1pPr>
+            <a:lvl2pPr marL="742950" indent="-285750">
+              <a:defRPr>
+                <a:solidFill>
+                  <a:schemeClr val="tx1"/>
+                </a:solidFill>
+                <a:latin typeface="Arial" panose="020B0604020202020204" pitchFamily="34" charset="0"/>
+              </a:defRPr>
+            </a:lvl2pPr>
+            <a:lvl3pPr marL="1143000" indent="-228600">
+              <a:defRPr>
+                <a:solidFill>
+                  <a:schemeClr val="tx1"/>
+                </a:solidFill>
+                <a:latin typeface="Arial" panose="020B0604020202020204" pitchFamily="34" charset="0"/>
+              </a:defRPr>
+            </a:lvl3pPr>
+            <a:lvl4pPr marL="1600200" indent="-228600">
+              <a:defRPr>
+                <a:solidFill>
+                  <a:schemeClr val="tx1"/>
+                </a:solidFill>
+                <a:latin typeface="Arial" panose="020B0604020202020204" pitchFamily="34" charset="0"/>
+              </a:defRPr>
+            </a:lvl4pPr>
+            <a:lvl5pPr marL="2057400" indent="-228600">
+              <a:defRPr>
+                <a:solidFill>
+                  <a:schemeClr val="tx1"/>
+                </a:solidFill>
+                <a:latin typeface="Arial" panose="020B0604020202020204" pitchFamily="34" charset="0"/>
+              </a:defRPr>
+            </a:lvl5pPr>
+            <a:lvl6pPr marL="2514600" indent="-228600" eaLnBrk="0" fontAlgn="base" hangingPunct="0">
+              <a:spcBef>
+                <a:spcPct val="0"/>
+              </a:spcBef>
+              <a:spcAft>
+                <a:spcPct val="0"/>
+              </a:spcAft>
+              <a:defRPr>
+                <a:solidFill>
+                  <a:schemeClr val="tx1"/>
+                </a:solidFill>
+                <a:latin typeface="Arial" panose="020B0604020202020204" pitchFamily="34" charset="0"/>
+              </a:defRPr>
+            </a:lvl6pPr>
+            <a:lvl7pPr marL="2971800" indent="-228600" eaLnBrk="0" fontAlgn="base" hangingPunct="0">
+              <a:spcBef>
+                <a:spcPct val="0"/>
+              </a:spcBef>
+              <a:spcAft>
+                <a:spcPct val="0"/>
+              </a:spcAft>
+              <a:defRPr>
+                <a:solidFill>
+                  <a:schemeClr val="tx1"/>
+                </a:solidFill>
+                <a:latin typeface="Arial" panose="020B0604020202020204" pitchFamily="34" charset="0"/>
+              </a:defRPr>
+            </a:lvl7pPr>
+            <a:lvl8pPr marL="3429000" indent="-228600" eaLnBrk="0" fontAlgn="base" hangingPunct="0">
+              <a:spcBef>
+                <a:spcPct val="0"/>
+              </a:spcBef>
+              <a:spcAft>
+                <a:spcPct val="0"/>
+              </a:spcAft>
+              <a:defRPr>
+                <a:solidFill>
+                  <a:schemeClr val="tx1"/>
+                </a:solidFill>
+                <a:latin typeface="Arial" panose="020B0604020202020204" pitchFamily="34" charset="0"/>
+              </a:defRPr>
+            </a:lvl8pPr>
+            <a:lvl9pPr marL="3886200" indent="-228600" eaLnBrk="0" fontAlgn="base" hangingPunct="0">
+              <a:spcBef>
+                <a:spcPct val="0"/>
+              </a:spcBef>
+              <a:spcAft>
+                <a:spcPct val="0"/>
+              </a:spcAft>
+              <a:defRPr>
+                <a:solidFill>
+                  <a:schemeClr val="tx1"/>
+                </a:solidFill>
+                <a:latin typeface="Arial" panose="020B0604020202020204" pitchFamily="34" charset="0"/>
+              </a:defRPr>
+            </a:lvl9pPr>
+          </a:lstStyle>
+          <a:p>
+            <a:fld id="{121A4569-3EE5-440D-A74A-B27CFF9D6825}" type="slidenum">
+              <a:rPr lang="en-US" altLang="en-US" smtClean="0"/>
+              <a:pPr/>
+              <a:t>15</a:t>
+            </a:fld>
+            <a:endParaRPr lang="en-US" altLang="en-US"/>
+          </a:p>
+        </p:txBody>
+      </p:sp>
+    </p:spTree>
+    <p:extLst>
+      <p:ext uri="{BB962C8B-B14F-4D97-AF65-F5344CB8AC3E}">
+        <p14:creationId xmlns:p14="http://schemas.microsoft.com/office/powerpoint/2010/main" val="2863781371"/>
+      </p:ext>
+    </p:extLst>
+  </p:cSld>
+  <p:clrMapOvr>
+    <a:masterClrMapping/>
+  </p:clrMapOvr>
+</p:notes>
+</file>
+
+<file path=ppt/notesSlides/notesSlide16.xml><?xml version="1.0" encoding="utf-8"?>
+<p:notes xmlns:a="http://schemas.openxmlformats.org/drawingml/2006/main" xmlns:r="http://schemas.openxmlformats.org/officeDocument/2006/relationships" xmlns:p="http://schemas.openxmlformats.org/presentationml/2006/main">
+  <p:cSld>
+    <p:spTree>
+      <p:nvGrpSpPr>
+        <p:cNvPr id="1" name=""/>
+        <p:cNvGrpSpPr/>
+        <p:nvPr/>
+      </p:nvGrpSpPr>
+      <p:grpSpPr>
+        <a:xfrm>
+          <a:off x="0" y="0"/>
+          <a:ext cx="0" cy="0"/>
+          <a:chOff x="0" y="0"/>
+          <a:chExt cx="0" cy="0"/>
+        </a:xfrm>
+      </p:grpSpPr>
+      <p:sp>
+        <p:nvSpPr>
+          <p:cNvPr id="70658" name="Slide Image Placeholder 1"/>
+          <p:cNvSpPr>
+            <a:spLocks noGrp="1" noRot="1" noChangeAspect="1" noTextEdit="1"/>
+          </p:cNvSpPr>
+          <p:nvPr>
+            <p:ph type="sldImg"/>
+          </p:nvPr>
+        </p:nvSpPr>
+        <p:spPr bwMode="auto">
+          <a:noFill/>
+          <a:ln>
+            <a:solidFill>
+              <a:srgbClr val="000000"/>
+            </a:solidFill>
+            <a:miter lim="800000"/>
+            <a:headEnd/>
+            <a:tailEnd/>
+          </a:ln>
+          <a:extLst>
+            <a:ext uri="{909E8E84-426E-40dd-AFC4-6F175D3DCCD1}">
+              <a14:hiddenFill xmlns:a14="http://schemas.microsoft.com/office/drawing/2010/main">
+                <a:solidFill>
+                  <a:srgbClr val="FFFFFF"/>
+                </a:solidFill>
+              </a14:hiddenFill>
+            </a:ext>
+          </a:extLst>
+        </p:spPr>
+      </p:sp>
+      <p:sp>
+        <p:nvSpPr>
+          <p:cNvPr id="70659" name="Notes Placeholder 2"/>
+          <p:cNvSpPr>
+            <a:spLocks noGrp="1"/>
+          </p:cNvSpPr>
+          <p:nvPr>
+            <p:ph type="body" idx="1"/>
+          </p:nvPr>
+        </p:nvSpPr>
+        <p:spPr bwMode="auto">
+          <a:noFill/>
+          <a:extLst>
+            <a:ext uri="{909E8E84-426E-40dd-AFC4-6F175D3DCCD1}">
+              <a14:hiddenFill xmlns:a14="http://schemas.microsoft.com/office/drawing/2010/main">
+                <a:solidFill>
+                  <a:srgbClr val="FFFFFF"/>
+                </a:solidFill>
+              </a14:hiddenFill>
+            </a:ext>
+            <a:ext uri="{91240B29-F687-4f45-9708-019B960494DF}">
+              <a14:hiddenLine xmlns:a14="http://schemas.microsoft.com/office/drawing/2010/main" w="9525">
+                <a:solidFill>
+                  <a:srgbClr val="000000"/>
+                </a:solidFill>
+                <a:miter lim="800000"/>
+                <a:headEnd/>
+                <a:tailEnd/>
+              </a14:hiddenLine>
+            </a:ext>
+          </a:extLst>
+        </p:spPr>
+        <p:txBody>
+          <a:bodyPr wrap="square" numCol="1" anchor="t" anchorCtr="0" compatLnSpc="1">
+            <a:prstTxWarp prst="textNoShape">
+              <a:avLst/>
+            </a:prstTxWarp>
+          </a:bodyPr>
+          <a:lstStyle/>
+          <a:p>
+            <a:endParaRPr lang="en-US" altLang="en-US"/>
+          </a:p>
+        </p:txBody>
+      </p:sp>
+      <p:sp>
+        <p:nvSpPr>
+          <p:cNvPr id="70660" name="Slide Number Placeholder 3"/>
+          <p:cNvSpPr>
+            <a:spLocks noGrp="1"/>
+          </p:cNvSpPr>
+          <p:nvPr>
+            <p:ph type="sldNum" sz="quarter" idx="5"/>
+          </p:nvPr>
+        </p:nvSpPr>
+        <p:spPr bwMode="auto">
+          <a:noFill/>
+          <a:extLst>
+            <a:ext uri="{909E8E84-426E-40dd-AFC4-6F175D3DCCD1}">
+              <a14:hiddenFill xmlns:a14="http://schemas.microsoft.com/office/drawing/2010/main">
+                <a:solidFill>
+                  <a:srgbClr val="FFFFFF"/>
+                </a:solidFill>
+              </a14:hiddenFill>
+            </a:ext>
+            <a:ext uri="{91240B29-F687-4f45-9708-019B960494DF}">
+              <a14:hiddenLine xmlns:a14="http://schemas.microsoft.com/office/drawing/2010/main" w="9525">
+                <a:solidFill>
+                  <a:srgbClr val="000000"/>
+                </a:solidFill>
+                <a:miter lim="800000"/>
+                <a:headEnd/>
+                <a:tailEnd/>
+              </a14:hiddenLine>
+            </a:ext>
+          </a:extLst>
+        </p:spPr>
+        <p:txBody>
+          <a:bodyPr/>
+          <a:lstStyle>
+            <a:lvl1pPr>
+              <a:defRPr>
+                <a:solidFill>
+                  <a:schemeClr val="tx1"/>
+                </a:solidFill>
+                <a:latin typeface="Arial" panose="020B0604020202020204" pitchFamily="34" charset="0"/>
+              </a:defRPr>
+            </a:lvl1pPr>
+            <a:lvl2pPr marL="742950" indent="-285750">
+              <a:defRPr>
+                <a:solidFill>
+                  <a:schemeClr val="tx1"/>
+                </a:solidFill>
+                <a:latin typeface="Arial" panose="020B0604020202020204" pitchFamily="34" charset="0"/>
+              </a:defRPr>
+            </a:lvl2pPr>
+            <a:lvl3pPr marL="1143000" indent="-228600">
+              <a:defRPr>
+                <a:solidFill>
+                  <a:schemeClr val="tx1"/>
+                </a:solidFill>
+                <a:latin typeface="Arial" panose="020B0604020202020204" pitchFamily="34" charset="0"/>
+              </a:defRPr>
+            </a:lvl3pPr>
+            <a:lvl4pPr marL="1600200" indent="-228600">
+              <a:defRPr>
+                <a:solidFill>
+                  <a:schemeClr val="tx1"/>
+                </a:solidFill>
+                <a:latin typeface="Arial" panose="020B0604020202020204" pitchFamily="34" charset="0"/>
+              </a:defRPr>
+            </a:lvl4pPr>
+            <a:lvl5pPr marL="2057400" indent="-228600">
+              <a:defRPr>
+                <a:solidFill>
+                  <a:schemeClr val="tx1"/>
+                </a:solidFill>
+                <a:latin typeface="Arial" panose="020B0604020202020204" pitchFamily="34" charset="0"/>
+              </a:defRPr>
+            </a:lvl5pPr>
+            <a:lvl6pPr marL="2514600" indent="-228600" eaLnBrk="0" fontAlgn="base" hangingPunct="0">
+              <a:spcBef>
+                <a:spcPct val="0"/>
+              </a:spcBef>
+              <a:spcAft>
+                <a:spcPct val="0"/>
+              </a:spcAft>
+              <a:defRPr>
+                <a:solidFill>
+                  <a:schemeClr val="tx1"/>
+                </a:solidFill>
+                <a:latin typeface="Arial" panose="020B0604020202020204" pitchFamily="34" charset="0"/>
+              </a:defRPr>
+            </a:lvl6pPr>
+            <a:lvl7pPr marL="2971800" indent="-228600" eaLnBrk="0" fontAlgn="base" hangingPunct="0">
+              <a:spcBef>
+                <a:spcPct val="0"/>
+              </a:spcBef>
+              <a:spcAft>
+                <a:spcPct val="0"/>
+              </a:spcAft>
+              <a:defRPr>
+                <a:solidFill>
+                  <a:schemeClr val="tx1"/>
+                </a:solidFill>
+                <a:latin typeface="Arial" panose="020B0604020202020204" pitchFamily="34" charset="0"/>
+              </a:defRPr>
+            </a:lvl7pPr>
+            <a:lvl8pPr marL="3429000" indent="-228600" eaLnBrk="0" fontAlgn="base" hangingPunct="0">
+              <a:spcBef>
+                <a:spcPct val="0"/>
+              </a:spcBef>
+              <a:spcAft>
+                <a:spcPct val="0"/>
+              </a:spcAft>
+              <a:defRPr>
+                <a:solidFill>
+                  <a:schemeClr val="tx1"/>
+                </a:solidFill>
+                <a:latin typeface="Arial" panose="020B0604020202020204" pitchFamily="34" charset="0"/>
+              </a:defRPr>
+            </a:lvl8pPr>
+            <a:lvl9pPr marL="3886200" indent="-228600" eaLnBrk="0" fontAlgn="base" hangingPunct="0">
+              <a:spcBef>
+                <a:spcPct val="0"/>
+              </a:spcBef>
+              <a:spcAft>
+                <a:spcPct val="0"/>
+              </a:spcAft>
+              <a:defRPr>
+                <a:solidFill>
+                  <a:schemeClr val="tx1"/>
+                </a:solidFill>
+                <a:latin typeface="Arial" panose="020B0604020202020204" pitchFamily="34" charset="0"/>
+              </a:defRPr>
+            </a:lvl9pPr>
+          </a:lstStyle>
+          <a:p>
+            <a:fld id="{B27F4BEF-8773-4E7E-B8C1-B3C5D3F0C104}" type="slidenum">
+              <a:rPr lang="en-US" altLang="en-US" smtClean="0"/>
+              <a:pPr/>
+              <a:t>16</a:t>
+            </a:fld>
+            <a:endParaRPr lang="en-US" altLang="en-US"/>
+          </a:p>
+        </p:txBody>
+      </p:sp>
+    </p:spTree>
+    <p:extLst>
+      <p:ext uri="{BB962C8B-B14F-4D97-AF65-F5344CB8AC3E}">
+        <p14:creationId xmlns:p14="http://schemas.microsoft.com/office/powerpoint/2010/main" val="2855794096"/>
       </p:ext>
     </p:extLst>
   </p:cSld>
@@ -1970,10 +1999,87 @@
           <a:bodyPr/>
           <a:lstStyle/>
           <a:p>
+            <a:pPr marL="0" indent="0">
+              <a:buFont typeface="Arial"/>
+              <a:buNone/>
+            </a:pPr>
+            <a:r>
+              <a:rPr lang="en-US" b="1" dirty="0" smtClean="0"/>
+              <a:t>Notes:</a:t>
+            </a:r>
+          </a:p>
+          <a:p>
+            <a:pPr marL="171450" indent="-171450">
+              <a:buFont typeface="Arial"/>
+              <a:buChar char="•"/>
+            </a:pPr>
+            <a:r>
+              <a:rPr lang="en-US" dirty="0" err="1" smtClean="0"/>
+              <a:t>Xamarin</a:t>
+            </a:r>
+            <a:r>
+              <a:rPr lang="en-US" dirty="0" smtClean="0"/>
+              <a:t> </a:t>
+            </a:r>
             <a:r>
               <a:rPr lang="en-US" dirty="0"/>
-              <a:t>On Mac and PC</a:t>
-            </a:r>
+              <a:t>is free with all versions of Visual Studio, even the free</a:t>
+            </a:r>
+            <a:r>
+              <a:rPr lang="en-US" baseline="0" dirty="0"/>
+              <a:t> Community Edition.</a:t>
+            </a:r>
+            <a:endParaRPr lang="en-US" dirty="0"/>
+          </a:p>
+          <a:p>
+            <a:pPr marL="171450" indent="-171450">
+              <a:buFont typeface="Arial"/>
+              <a:buChar char="•"/>
+            </a:pPr>
+            <a:r>
+              <a:rPr lang="en-US" dirty="0"/>
+              <a:t>Android Player is also included in this image.</a:t>
+            </a:r>
+            <a:r>
+              <a:rPr lang="en-US" baseline="0" dirty="0"/>
+              <a:t>  Downloaded separately (but free).</a:t>
+            </a:r>
+          </a:p>
+          <a:p>
+            <a:pPr marL="171450" indent="-171450">
+              <a:buFont typeface="Arial"/>
+              <a:buChar char="•"/>
+            </a:pPr>
+            <a:endParaRPr lang="en-US" baseline="0" dirty="0" smtClean="0"/>
+          </a:p>
+          <a:p>
+            <a:pPr marL="0" indent="0">
+              <a:buFont typeface="Arial"/>
+              <a:buNone/>
+            </a:pPr>
+            <a:r>
+              <a:rPr lang="en-US" b="1" baseline="0" dirty="0" smtClean="0"/>
+              <a:t>References:</a:t>
+            </a:r>
+            <a:endParaRPr lang="en-US" b="1" baseline="0" dirty="0"/>
+          </a:p>
+          <a:p>
+            <a:pPr marL="171450" indent="-171450">
+              <a:buFont typeface="Arial"/>
+              <a:buChar char="•"/>
+            </a:pPr>
+            <a:r>
+              <a:rPr lang="en-US" sz="1200" b="0" i="0" u="none" strike="noStrike" kern="1200" baseline="0" dirty="0">
+                <a:solidFill>
+                  <a:schemeClr val="tx1"/>
+                </a:solidFill>
+                <a:latin typeface="+mn-lt"/>
+                <a:ea typeface="+mn-ea"/>
+                <a:cs typeface="+mn-cs"/>
+              </a:rPr>
+              <a:t>Image from Xamarin Mobile Application Development by Dan Hermes  http://amzn.to/1rowG7K</a:t>
+            </a:r>
+            <a:endParaRPr lang="en-US" dirty="0"/>
           </a:p>
         </p:txBody>
       </p:sp>
@@ -2004,7 +2110,7 @@
     </p:spTree>
     <p:extLst>
       <p:ext uri="{BB962C8B-B14F-4D97-AF65-F5344CB8AC3E}">
-        <p14:creationId xmlns:p14="http://schemas.microsoft.com/office/powerpoint/2010/main" val="781681199"/>
+        <p14:creationId xmlns:p14="http://schemas.microsoft.com/office/powerpoint/2010/main" val="4160093277"/>
       </p:ext>
     </p:extLst>
   </p:cSld>
@@ -2058,7 +2164,39 @@
           <a:bodyPr/>
           <a:lstStyle/>
           <a:p>
-            <a:endParaRPr lang="en-US"/>
+            <a:r>
+              <a:rPr lang="en-US" b="1" dirty="0" smtClean="0"/>
+              <a:t>Notes:</a:t>
+            </a:r>
+          </a:p>
+          <a:p>
+            <a:pPr marL="171450" indent="-171450">
+              <a:buFont typeface="Arial"/>
+              <a:buChar char="•"/>
+            </a:pPr>
+            <a:r>
+              <a:rPr lang="en-US" b="0" dirty="0" err="1" smtClean="0"/>
+              <a:t>Xamarin</a:t>
+            </a:r>
+            <a:r>
+              <a:rPr lang="en-US" b="0" dirty="0" smtClean="0"/>
+              <a:t> Studio is available for</a:t>
+            </a:r>
+            <a:r>
+              <a:rPr lang="en-US" b="0" baseline="0" dirty="0" smtClean="0"/>
+              <a:t> both Mac and PC</a:t>
+            </a:r>
+          </a:p>
+          <a:p>
+            <a:pPr marL="171450" indent="-171450">
+              <a:buFont typeface="Arial"/>
+              <a:buChar char="•"/>
+            </a:pPr>
+            <a:r>
+              <a:rPr lang="en-US" b="0" dirty="0" smtClean="0"/>
+              <a:t>Pictured here on a Mac</a:t>
+            </a:r>
+            <a:endParaRPr lang="en-US" b="0" dirty="0"/>
           </a:p>
         </p:txBody>
       </p:sp>
@@ -2089,7 +2227,7 @@
     </p:spTree>
     <p:extLst>
       <p:ext uri="{BB962C8B-B14F-4D97-AF65-F5344CB8AC3E}">
-        <p14:creationId xmlns:p14="http://schemas.microsoft.com/office/powerpoint/2010/main" val="1721159434"/>
+        <p14:creationId xmlns:p14="http://schemas.microsoft.com/office/powerpoint/2010/main" val="781681199"/>
       </p:ext>
     </p:extLst>
   </p:cSld>
@@ -2143,127 +2281,7 @@
           <a:bodyPr/>
           <a:lstStyle/>
           <a:p>
-            <a:pPr marL="0" marR="0" lvl="0" indent="0" algn="l" defTabSz="914400" rtl="0" eaLnBrk="1" fontAlgn="auto" latinLnBrk="0" hangingPunct="1">
-              <a:lnSpc>
-                <a:spcPct val="100000"/>
-              </a:lnSpc>
-              <a:spcBef>
-                <a:spcPts val="0"/>
-              </a:spcBef>
-              <a:spcAft>
-                <a:spcPts val="0"/>
-              </a:spcAft>
-              <a:buClrTx/>
-              <a:buSzTx/>
-              <a:buFontTx/>
-              <a:buNone/>
-              <a:tabLst/>
-              <a:defRPr/>
-            </a:pPr>
-            <a:r>
-              <a:rPr lang="en-US" b="1" baseline="0" dirty="0"/>
-              <a:t>Notes:</a:t>
-            </a:r>
-          </a:p>
-          <a:p>
-            <a:pPr marL="171450" marR="0" lvl="0" indent="-171450" algn="l" defTabSz="914400" rtl="0" eaLnBrk="1" fontAlgn="auto" latinLnBrk="0" hangingPunct="1">
-              <a:lnSpc>
-                <a:spcPct val="100000"/>
-              </a:lnSpc>
-              <a:spcBef>
-                <a:spcPts val="0"/>
-              </a:spcBef>
-              <a:spcAft>
-                <a:spcPts val="0"/>
-              </a:spcAft>
-              <a:buClrTx/>
-              <a:buSzTx/>
-              <a:buFont typeface="Arial"/>
-              <a:buChar char="•"/>
-              <a:tabLst/>
-              <a:defRPr/>
-            </a:pPr>
-            <a:r>
-              <a:rPr lang="en-US" b="0" baseline="0" dirty="0"/>
-              <a:t>Maximize Code Reuse whenever possible.</a:t>
-            </a:r>
-          </a:p>
-          <a:p>
-            <a:pPr marL="171450" marR="0" lvl="0" indent="-171450" algn="l" defTabSz="914400" rtl="0" eaLnBrk="1" fontAlgn="auto" latinLnBrk="0" hangingPunct="1">
-              <a:lnSpc>
-                <a:spcPct val="100000"/>
-              </a:lnSpc>
-              <a:spcBef>
-                <a:spcPts val="0"/>
-              </a:spcBef>
-              <a:spcAft>
-                <a:spcPts val="0"/>
-              </a:spcAft>
-              <a:buClrTx/>
-              <a:buSzTx/>
-              <a:buFont typeface="Arial"/>
-              <a:buChar char="•"/>
-              <a:tabLst/>
-              <a:defRPr/>
-            </a:pPr>
-            <a:r>
-              <a:rPr lang="en-US" baseline="0" dirty="0"/>
-              <a:t>Encapsulation: Exposing a minimal interface of an object to describe interaction points while    hiding implementation details.</a:t>
-            </a:r>
-          </a:p>
-          <a:p>
-            <a:pPr marL="171450" marR="0" lvl="0" indent="-171450" algn="l" defTabSz="914400" rtl="0" eaLnBrk="1" fontAlgn="auto" latinLnBrk="0" hangingPunct="1">
-              <a:lnSpc>
-                <a:spcPct val="100000"/>
-              </a:lnSpc>
-              <a:spcBef>
-                <a:spcPts val="0"/>
-              </a:spcBef>
-              <a:spcAft>
-                <a:spcPts val="0"/>
-              </a:spcAft>
-              <a:buClrTx/>
-              <a:buSzTx/>
-              <a:buFont typeface="Arial"/>
-              <a:buChar char="•"/>
-              <a:tabLst/>
-              <a:defRPr/>
-            </a:pPr>
-            <a:r>
-              <a:rPr lang="en-US" baseline="0" dirty="0"/>
-              <a:t>Separation of concerns (</a:t>
-            </a:r>
-            <a:r>
-              <a:rPr lang="en-US" baseline="0" dirty="0" err="1"/>
-              <a:t>SoC</a:t>
-            </a:r>
-            <a:r>
-              <a:rPr lang="en-US" baseline="0" dirty="0"/>
-              <a:t>): A design principle that involves separating code based on concerns. </a:t>
-            </a:r>
-          </a:p>
-          <a:p>
-            <a:pPr marL="457200" marR="0" lvl="1" indent="0" algn="l" defTabSz="914400" rtl="0" eaLnBrk="1" fontAlgn="auto" latinLnBrk="0" hangingPunct="1">
-              <a:lnSpc>
-                <a:spcPct val="100000"/>
-              </a:lnSpc>
-              <a:spcBef>
-                <a:spcPts val="0"/>
-              </a:spcBef>
-              <a:spcAft>
-                <a:spcPts val="0"/>
-              </a:spcAft>
-              <a:buClrTx/>
-              <a:buSzTx/>
-              <a:buFont typeface="Arial" pitchFamily="34" charset="0"/>
-              <a:buChar char="•"/>
-              <a:tabLst/>
-              <a:defRPr/>
-            </a:pPr>
-            <a:r>
-              <a:rPr lang="en-US" baseline="0" dirty="0"/>
-              <a:t> Concerns could be something as generic as user interface or data access, or as specific as different kinds of similar objects.</a:t>
-            </a:r>
+            <a:endParaRPr lang="en-US"/>
           </a:p>
         </p:txBody>
       </p:sp>
@@ -2284,6 +2302,7 @@
           <a:p>
             <a:fld id="{01283FAC-A721-45A3-BBDE-EAF2B09B7CD9}" type="slidenum">
               <a:rPr lang="en-US" smtClean="0"/>
+              <a:pPr/>
               <a:t>19</a:t>
             </a:fld>
             <a:endParaRPr lang="en-US"/>
@@ -2293,7 +2312,7 @@
     </p:spTree>
     <p:extLst>
       <p:ext uri="{BB962C8B-B14F-4D97-AF65-F5344CB8AC3E}">
-        <p14:creationId xmlns:p14="http://schemas.microsoft.com/office/powerpoint/2010/main" val="1611218805"/>
+        <p14:creationId xmlns:p14="http://schemas.microsoft.com/office/powerpoint/2010/main" val="1721159434"/>
       </p:ext>
     </p:extLst>
   </p:cSld>
@@ -2432,50 +2451,127 @@
           <a:bodyPr/>
           <a:lstStyle/>
           <a:p>
-            <a:pPr marL="0" indent="0">
-              <a:buFont typeface="Arial"/>
+            <a:pPr marL="0" marR="0" lvl="0" indent="0" algn="l" defTabSz="914400" rtl="0" eaLnBrk="1" fontAlgn="auto" latinLnBrk="0" hangingPunct="1">
+              <a:lnSpc>
+                <a:spcPct val="100000"/>
+              </a:lnSpc>
+              <a:spcBef>
+                <a:spcPts val="0"/>
+              </a:spcBef>
+              <a:spcAft>
+                <a:spcPts val="0"/>
+              </a:spcAft>
+              <a:buClrTx/>
+              <a:buSzTx/>
+              <a:buFontTx/>
               <a:buNone/>
+              <a:tabLst/>
+              <a:defRPr/>
             </a:pPr>
             <a:r>
-              <a:rPr lang="en-US" sz="1200" b="1" i="0" u="none" strike="noStrike" kern="1200" baseline="0" dirty="0" smtClean="0">
-                <a:solidFill>
-                  <a:schemeClr val="tx1"/>
-                </a:solidFill>
-                <a:latin typeface="+mn-lt"/>
-                <a:ea typeface="+mn-ea"/>
-                <a:cs typeface="+mn-cs"/>
-              </a:rPr>
-              <a:t>References:</a:t>
-            </a:r>
-          </a:p>
-          <a:p>
-            <a:pPr marL="171450" indent="-171450">
+              <a:rPr lang="en-US" b="1" baseline="0" dirty="0"/>
+              <a:t>Notes:</a:t>
+            </a:r>
+          </a:p>
+          <a:p>
+            <a:pPr marL="171450" marR="0" lvl="0" indent="-171450" algn="l" defTabSz="914400" rtl="0" eaLnBrk="1" fontAlgn="auto" latinLnBrk="0" hangingPunct="1">
+              <a:lnSpc>
+                <a:spcPct val="100000"/>
+              </a:lnSpc>
+              <a:spcBef>
+                <a:spcPts val="0"/>
+              </a:spcBef>
+              <a:spcAft>
+                <a:spcPts val="0"/>
+              </a:spcAft>
+              <a:buClrTx/>
+              <a:buSzTx/>
               <a:buFont typeface="Arial"/>
               <a:buChar char="•"/>
+              <a:tabLst/>
+              <a:defRPr/>
             </a:pPr>
             <a:r>
-              <a:rPr lang="en-US" sz="1200" b="0" i="0" u="none" strike="noStrike" kern="1200" baseline="0" dirty="0" smtClean="0">
-                <a:solidFill>
-                  <a:schemeClr val="tx1"/>
-                </a:solidFill>
-                <a:latin typeface="+mn-lt"/>
-                <a:ea typeface="+mn-ea"/>
-                <a:cs typeface="+mn-cs"/>
-              </a:rPr>
-              <a:t>Image </a:t>
-            </a:r>
-            <a:r>
-              <a:rPr lang="en-US" sz="1200" b="0" i="0" u="none" strike="noStrike" kern="1200" baseline="0" dirty="0">
-                <a:solidFill>
-                  <a:schemeClr val="tx1"/>
-                </a:solidFill>
-                <a:latin typeface="+mn-lt"/>
-                <a:ea typeface="+mn-ea"/>
-                <a:cs typeface="+mn-cs"/>
-              </a:rPr>
-              <a:t>from Xamarin Mobile Application Development by Dan Hermes  http://amzn.to/1rowG7K</a:t>
-            </a:r>
-            <a:endParaRPr lang="en-US" dirty="0"/>
+              <a:rPr lang="en-US" b="0" baseline="0" dirty="0"/>
+              <a:t>Maximize Code Reuse whenever possible.</a:t>
+            </a:r>
+          </a:p>
+          <a:p>
+            <a:pPr marL="171450" marR="0" lvl="0" indent="-171450" algn="l" defTabSz="914400" rtl="0" eaLnBrk="1" fontAlgn="auto" latinLnBrk="0" hangingPunct="1">
+              <a:lnSpc>
+                <a:spcPct val="100000"/>
+              </a:lnSpc>
+              <a:spcBef>
+                <a:spcPts val="0"/>
+              </a:spcBef>
+              <a:spcAft>
+                <a:spcPts val="0"/>
+              </a:spcAft>
+              <a:buClrTx/>
+              <a:buSzTx/>
+              <a:buFont typeface="Arial"/>
+              <a:buChar char="•"/>
+              <a:tabLst/>
+              <a:defRPr/>
+            </a:pPr>
+            <a:r>
+              <a:rPr lang="en-US" baseline="0" dirty="0"/>
+              <a:t>Encapsulation: Exposing a minimal interface of an object to describe interaction points while    hiding implementation details.</a:t>
+            </a:r>
+          </a:p>
+          <a:p>
+            <a:pPr marL="171450" marR="0" lvl="0" indent="-171450" algn="l" defTabSz="914400" rtl="0" eaLnBrk="1" fontAlgn="auto" latinLnBrk="0" hangingPunct="1">
+              <a:lnSpc>
+                <a:spcPct val="100000"/>
+              </a:lnSpc>
+              <a:spcBef>
+                <a:spcPts val="0"/>
+              </a:spcBef>
+              <a:spcAft>
+                <a:spcPts val="0"/>
+              </a:spcAft>
+              <a:buClrTx/>
+              <a:buSzTx/>
+              <a:buFont typeface="Arial"/>
+              <a:buChar char="•"/>
+              <a:tabLst/>
+              <a:defRPr/>
+            </a:pPr>
+            <a:r>
+              <a:rPr lang="en-US" baseline="0" dirty="0"/>
+              <a:t>Separation of concerns (</a:t>
+            </a:r>
+            <a:r>
+              <a:rPr lang="en-US" baseline="0" dirty="0" err="1"/>
+              <a:t>SoC</a:t>
+            </a:r>
+            <a:r>
+              <a:rPr lang="en-US" baseline="0" dirty="0"/>
+              <a:t>): A design principle that involves separating code based on concerns. </a:t>
+            </a:r>
+          </a:p>
+          <a:p>
+            <a:pPr marL="457200" marR="0" lvl="1" indent="0" algn="l" defTabSz="914400" rtl="0" eaLnBrk="1" fontAlgn="auto" latinLnBrk="0" hangingPunct="1">
+              <a:lnSpc>
+                <a:spcPct val="100000"/>
+              </a:lnSpc>
+              <a:spcBef>
+                <a:spcPts val="0"/>
+              </a:spcBef>
+              <a:spcAft>
+                <a:spcPts val="0"/>
+              </a:spcAft>
+              <a:buClrTx/>
+              <a:buSzTx/>
+              <a:buFont typeface="Arial" pitchFamily="34" charset="0"/>
+              <a:buChar char="•"/>
+              <a:tabLst/>
+              <a:defRPr/>
+            </a:pPr>
+            <a:r>
+              <a:rPr lang="en-US" baseline="0" dirty="0"/>
+              <a:t> Concerns could be something as generic as user interface or data access, or as specific as different kinds of similar objects.</a:t>
+            </a:r>
           </a:p>
         </p:txBody>
       </p:sp>
@@ -2496,7 +2592,6 @@
           <a:p>
             <a:fld id="{01283FAC-A721-45A3-BBDE-EAF2B09B7CD9}" type="slidenum">
               <a:rPr lang="en-US" smtClean="0"/>
-              <a:pPr/>
               <a:t>20</a:t>
             </a:fld>
             <a:endParaRPr lang="en-US"/>
@@ -2506,7 +2601,7 @@
     </p:spTree>
     <p:extLst>
       <p:ext uri="{BB962C8B-B14F-4D97-AF65-F5344CB8AC3E}">
-        <p14:creationId xmlns:p14="http://schemas.microsoft.com/office/powerpoint/2010/main" val="1601551782"/>
+        <p14:creationId xmlns:p14="http://schemas.microsoft.com/office/powerpoint/2010/main" val="1611218805"/>
       </p:ext>
     </p:extLst>
   </p:cSld>
@@ -2560,127 +2655,72 @@
           <a:bodyPr/>
           <a:lstStyle/>
           <a:p>
-            <a:pPr marL="0" marR="0" lvl="0" indent="0" algn="l" defTabSz="914400" rtl="0" eaLnBrk="1" fontAlgn="auto" latinLnBrk="0" hangingPunct="1">
-              <a:lnSpc>
-                <a:spcPct val="100000"/>
-              </a:lnSpc>
-              <a:spcBef>
-                <a:spcPts val="0"/>
-              </a:spcBef>
-              <a:spcAft>
-                <a:spcPts val="0"/>
-              </a:spcAft>
-              <a:buClrTx/>
-              <a:buSzTx/>
-              <a:buFontTx/>
+            <a:pPr marL="0" indent="0">
+              <a:buFont typeface="Arial"/>
               <a:buNone/>
-              <a:tabLst/>
-              <a:defRPr/>
             </a:pPr>
             <a:r>
-              <a:rPr lang="en-US" b="1" baseline="0" dirty="0"/>
-              <a:t>Notes:</a:t>
-            </a:r>
-          </a:p>
-          <a:p>
-            <a:pPr marL="171450" marR="0" lvl="0" indent="-171450" algn="l" defTabSz="914400" rtl="0" eaLnBrk="1" fontAlgn="auto" latinLnBrk="0" hangingPunct="1">
-              <a:lnSpc>
-                <a:spcPct val="100000"/>
-              </a:lnSpc>
-              <a:spcBef>
-                <a:spcPts val="0"/>
-              </a:spcBef>
-              <a:spcAft>
-                <a:spcPts val="0"/>
-              </a:spcAft>
-              <a:buClrTx/>
-              <a:buSzTx/>
+              <a:rPr lang="en-US" sz="1200" b="1" i="0" u="none" strike="noStrike" kern="1200" baseline="0" dirty="0" smtClean="0">
+                <a:solidFill>
+                  <a:schemeClr val="tx1"/>
+                </a:solidFill>
+                <a:latin typeface="+mn-lt"/>
+                <a:ea typeface="+mn-ea"/>
+                <a:cs typeface="+mn-cs"/>
+              </a:rPr>
+              <a:t>References:</a:t>
+            </a:r>
+          </a:p>
+          <a:p>
+            <a:pPr marL="171450" indent="-171450">
               <a:buFont typeface="Arial"/>
               <a:buChar char="•"/>
-              <a:tabLst/>
-              <a:defRPr/>
             </a:pPr>
             <a:r>
-              <a:rPr lang="en-US" b="0" baseline="0" dirty="0"/>
-              <a:t>Maximize Code Reuse whenever possible.</a:t>
-            </a:r>
-          </a:p>
-          <a:p>
-            <a:pPr marL="171450" marR="0" lvl="0" indent="-171450" algn="l" defTabSz="914400" rtl="0" eaLnBrk="1" fontAlgn="auto" latinLnBrk="0" hangingPunct="1">
-              <a:lnSpc>
-                <a:spcPct val="100000"/>
-              </a:lnSpc>
-              <a:spcBef>
-                <a:spcPts val="0"/>
-              </a:spcBef>
-              <a:spcAft>
-                <a:spcPts val="0"/>
-              </a:spcAft>
-              <a:buClrTx/>
-              <a:buSzTx/>
-              <a:buFont typeface="Arial"/>
-              <a:buChar char="•"/>
-              <a:tabLst/>
-              <a:defRPr/>
-            </a:pPr>
-            <a:r>
-              <a:rPr lang="en-US" baseline="0" dirty="0"/>
-              <a:t>Encapsulation: Exposing a minimal interface of an object to describe interaction points while    hiding implementation details.</a:t>
-            </a:r>
-          </a:p>
-          <a:p>
-            <a:pPr marL="171450" marR="0" lvl="0" indent="-171450" algn="l" defTabSz="914400" rtl="0" eaLnBrk="1" fontAlgn="auto" latinLnBrk="0" hangingPunct="1">
-              <a:lnSpc>
-                <a:spcPct val="100000"/>
-              </a:lnSpc>
-              <a:spcBef>
-                <a:spcPts val="0"/>
-              </a:spcBef>
-              <a:spcAft>
-                <a:spcPts val="0"/>
-              </a:spcAft>
-              <a:buClrTx/>
-              <a:buSzTx/>
-              <a:buFont typeface="Arial"/>
-              <a:buChar char="•"/>
-              <a:tabLst/>
-              <a:defRPr/>
-            </a:pPr>
-            <a:r>
-              <a:rPr lang="en-US" baseline="0" dirty="0"/>
-              <a:t>Separation of concerns (</a:t>
-            </a:r>
-            <a:r>
-              <a:rPr lang="en-US" baseline="0" dirty="0" err="1"/>
-              <a:t>SoC</a:t>
-            </a:r>
-            <a:r>
-              <a:rPr lang="en-US" baseline="0" dirty="0"/>
-              <a:t>): A design principle that involves separating code based on concerns. </a:t>
-            </a:r>
-          </a:p>
-          <a:p>
-            <a:pPr marL="457200" marR="0" lvl="1" indent="0" algn="l" defTabSz="914400" rtl="0" eaLnBrk="1" fontAlgn="auto" latinLnBrk="0" hangingPunct="1">
-              <a:lnSpc>
-                <a:spcPct val="100000"/>
-              </a:lnSpc>
-              <a:spcBef>
-                <a:spcPts val="0"/>
-              </a:spcBef>
-              <a:spcAft>
-                <a:spcPts val="0"/>
-              </a:spcAft>
-              <a:buClrTx/>
-              <a:buSzTx/>
-              <a:buFont typeface="Arial" pitchFamily="34" charset="0"/>
-              <a:buChar char="•"/>
-              <a:tabLst/>
-              <a:defRPr/>
-            </a:pPr>
-            <a:r>
-              <a:rPr lang="en-US" baseline="0" dirty="0"/>
-              <a:t> Concerns could be something as generic as user interface or data access, or as specific as different kinds of similar objects.</a:t>
-            </a:r>
+              <a:rPr lang="en-US" sz="1200" b="0" i="0" u="none" strike="noStrike" kern="1200" baseline="0" dirty="0" smtClean="0">
+                <a:solidFill>
+                  <a:schemeClr val="tx1"/>
+                </a:solidFill>
+                <a:latin typeface="+mn-lt"/>
+                <a:ea typeface="+mn-ea"/>
+                <a:cs typeface="+mn-cs"/>
+              </a:rPr>
+              <a:t>Image reinterpreted from </a:t>
+            </a:r>
+            <a:r>
+              <a:rPr lang="en-US" sz="1200" b="0" i="0" u="none" strike="noStrike" kern="1200" baseline="0" dirty="0" err="1" smtClean="0">
+                <a:solidFill>
+                  <a:schemeClr val="tx1"/>
+                </a:solidFill>
+                <a:latin typeface="+mn-lt"/>
+                <a:ea typeface="+mn-ea"/>
+                <a:cs typeface="+mn-cs"/>
+              </a:rPr>
+              <a:t>Xamarin</a:t>
+            </a:r>
+            <a:r>
+              <a:rPr lang="en-US" sz="1200" b="0" i="0" u="none" strike="noStrike" kern="1200" baseline="0" dirty="0" smtClean="0">
+                <a:solidFill>
+                  <a:schemeClr val="tx1"/>
+                </a:solidFill>
+                <a:latin typeface="+mn-lt"/>
+                <a:ea typeface="+mn-ea"/>
+                <a:cs typeface="+mn-cs"/>
+              </a:rPr>
+              <a:t> </a:t>
+            </a:r>
+            <a:r>
+              <a:rPr lang="en-US" sz="1200" b="0" i="0" u="none" strike="noStrike" kern="1200" baseline="0" dirty="0">
+                <a:solidFill>
+                  <a:schemeClr val="tx1"/>
+                </a:solidFill>
+                <a:latin typeface="+mn-lt"/>
+                <a:ea typeface="+mn-ea"/>
+                <a:cs typeface="+mn-cs"/>
+              </a:rPr>
+              <a:t>Mobile Application Development by Dan Hermes  http://amzn.to/1rowG7K</a:t>
+            </a:r>
+            <a:endParaRPr lang="en-US" dirty="0"/>
           </a:p>
         </p:txBody>
       </p:sp>
@@ -2701,6 +2741,7 @@
           <a:p>
             <a:fld id="{01283FAC-A721-45A3-BBDE-EAF2B09B7CD9}" type="slidenum">
               <a:rPr lang="en-US" smtClean="0"/>
+              <a:pPr/>
               <a:t>21</a:t>
             </a:fld>
             <a:endParaRPr lang="en-US"/>
@@ -2710,7 +2751,7 @@
     </p:spTree>
     <p:extLst>
       <p:ext uri="{BB962C8B-B14F-4D97-AF65-F5344CB8AC3E}">
-        <p14:creationId xmlns:p14="http://schemas.microsoft.com/office/powerpoint/2010/main" val="441908279"/>
+        <p14:creationId xmlns:p14="http://schemas.microsoft.com/office/powerpoint/2010/main" val="1601551782"/>
       </p:ext>
     </p:extLst>
   </p:cSld>
@@ -2787,7 +2828,84 @@
             </a:r>
           </a:p>
           <a:p>
-            <a:pPr marL="0" marR="0" lvl="0" indent="0" algn="l" defTabSz="914400" rtl="0" eaLnBrk="1" fontAlgn="auto" latinLnBrk="0" hangingPunct="1">
+            <a:pPr marL="171450" marR="0" lvl="0" indent="-171450" algn="l" defTabSz="914400" rtl="0" eaLnBrk="1" fontAlgn="auto" latinLnBrk="0" hangingPunct="1">
+              <a:lnSpc>
+                <a:spcPct val="100000"/>
+              </a:lnSpc>
+              <a:spcBef>
+                <a:spcPts val="0"/>
+              </a:spcBef>
+              <a:spcAft>
+                <a:spcPts val="0"/>
+              </a:spcAft>
+              <a:buClrTx/>
+              <a:buSzTx/>
+              <a:buFont typeface="Arial"/>
+              <a:buChar char="•"/>
+              <a:tabLst/>
+              <a:defRPr/>
+            </a:pPr>
+            <a:r>
+              <a:rPr lang="en-US" b="0" baseline="0" dirty="0"/>
+              <a:t>Maximize Code Reuse whenever possible.</a:t>
+            </a:r>
+          </a:p>
+          <a:p>
+            <a:pPr marL="171450" marR="0" lvl="0" indent="-171450" algn="l" defTabSz="914400" rtl="0" eaLnBrk="1" fontAlgn="auto" latinLnBrk="0" hangingPunct="1">
+              <a:lnSpc>
+                <a:spcPct val="100000"/>
+              </a:lnSpc>
+              <a:spcBef>
+                <a:spcPts val="0"/>
+              </a:spcBef>
+              <a:spcAft>
+                <a:spcPts val="0"/>
+              </a:spcAft>
+              <a:buClrTx/>
+              <a:buSzTx/>
+              <a:buFont typeface="Arial"/>
+              <a:buChar char="•"/>
+              <a:tabLst/>
+              <a:defRPr/>
+            </a:pPr>
+            <a:r>
+              <a:rPr lang="en-US" baseline="0" dirty="0"/>
+              <a:t>Encapsulation: Exposing a minimal interface of an object to describe interaction points while    hiding implementation details.</a:t>
+            </a:r>
+          </a:p>
+          <a:p>
+            <a:pPr marL="171450" marR="0" lvl="0" indent="-171450" algn="l" defTabSz="914400" rtl="0" eaLnBrk="1" fontAlgn="auto" latinLnBrk="0" hangingPunct="1">
+              <a:lnSpc>
+                <a:spcPct val="100000"/>
+              </a:lnSpc>
+              <a:spcBef>
+                <a:spcPts val="0"/>
+              </a:spcBef>
+              <a:spcAft>
+                <a:spcPts val="0"/>
+              </a:spcAft>
+              <a:buClrTx/>
+              <a:buSzTx/>
+              <a:buFont typeface="Arial"/>
+              <a:buChar char="•"/>
+              <a:tabLst/>
+              <a:defRPr/>
+            </a:pPr>
+            <a:r>
+              <a:rPr lang="en-US" baseline="0" dirty="0"/>
+              <a:t>Separation of concerns (</a:t>
+            </a:r>
+            <a:r>
+              <a:rPr lang="en-US" baseline="0" dirty="0" err="1"/>
+              <a:t>SoC</a:t>
+            </a:r>
+            <a:r>
+              <a:rPr lang="en-US" baseline="0" dirty="0"/>
+              <a:t>): A design principle that involves separating code based on concerns. </a:t>
+            </a:r>
+          </a:p>
+          <a:p>
+            <a:pPr marL="457200" marR="0" lvl="1" indent="0" algn="l" defTabSz="914400" rtl="0" eaLnBrk="1" fontAlgn="auto" latinLnBrk="0" hangingPunct="1">
               <a:lnSpc>
                 <a:spcPct val="100000"/>
               </a:lnSpc>
@@ -2806,51 +2924,8 @@
             </a:pPr>
             <a:r>
               <a:rPr lang="en-US" baseline="0" dirty="0"/>
-              <a:t> Determine what code needs to call platform APIs and isolate it.</a:t>
-            </a:r>
-          </a:p>
-          <a:p>
-            <a:pPr marL="0" marR="0" lvl="0" indent="0" algn="l" defTabSz="914400" rtl="0" eaLnBrk="1" fontAlgn="auto" latinLnBrk="0" hangingPunct="1">
-              <a:lnSpc>
-                <a:spcPct val="100000"/>
-              </a:lnSpc>
-              <a:spcBef>
-                <a:spcPts val="0"/>
-              </a:spcBef>
-              <a:spcAft>
-                <a:spcPts val="0"/>
-              </a:spcAft>
-              <a:buClrTx/>
-              <a:buSzTx/>
-              <a:buFont typeface="Arial" pitchFamily="34" charset="0"/>
-              <a:buChar char="•"/>
-              <a:tabLst/>
-              <a:defRPr/>
-            </a:pPr>
-            <a:r>
-              <a:rPr lang="en-US" baseline="0" dirty="0"/>
-              <a:t> Create parent interfaces or abstract classes to define protocols for platform-specific implementations.</a:t>
-            </a:r>
-          </a:p>
-          <a:p>
-            <a:pPr marL="171450" marR="0" lvl="0" indent="-171450" algn="l" defTabSz="914400" rtl="0" eaLnBrk="1" fontAlgn="auto" latinLnBrk="0" hangingPunct="1">
-              <a:lnSpc>
-                <a:spcPct val="100000"/>
-              </a:lnSpc>
-              <a:spcBef>
-                <a:spcPts val="0"/>
-              </a:spcBef>
-              <a:spcAft>
-                <a:spcPts val="0"/>
-              </a:spcAft>
-              <a:buClrTx/>
-              <a:buSzTx/>
-              <a:buFont typeface="Arial" panose="020B0604020202020204" pitchFamily="34" charset="0"/>
-              <a:buChar char="•"/>
-              <a:tabLst/>
-              <a:defRPr/>
-            </a:pPr>
-            <a:endParaRPr lang="en-US" dirty="0"/>
+              <a:t> Concerns could be something as generic as user interface or data access, or as specific as different kinds of similar objects.</a:t>
+            </a:r>
           </a:p>
         </p:txBody>
       </p:sp>
@@ -2871,7 +2946,6 @@
           <a:p>
             <a:fld id="{01283FAC-A721-45A3-BBDE-EAF2B09B7CD9}" type="slidenum">
               <a:rPr lang="en-US" smtClean="0"/>
-              <a:pPr/>
               <a:t>22</a:t>
             </a:fld>
             <a:endParaRPr lang="en-US"/>
@@ -2881,7 +2955,7 @@
     </p:spTree>
     <p:extLst>
       <p:ext uri="{BB962C8B-B14F-4D97-AF65-F5344CB8AC3E}">
-        <p14:creationId xmlns:p14="http://schemas.microsoft.com/office/powerpoint/2010/main" val="1913416203"/>
+        <p14:creationId xmlns:p14="http://schemas.microsoft.com/office/powerpoint/2010/main" val="441908279"/>
       </p:ext>
     </p:extLst>
   </p:cSld>
@@ -2935,6 +3009,92 @@
           <a:bodyPr/>
           <a:lstStyle/>
           <a:p>
+            <a:pPr marL="0" marR="0" lvl="0" indent="0" algn="l" defTabSz="914400" rtl="0" eaLnBrk="1" fontAlgn="auto" latinLnBrk="0" hangingPunct="1">
+              <a:lnSpc>
+                <a:spcPct val="100000"/>
+              </a:lnSpc>
+              <a:spcBef>
+                <a:spcPts val="0"/>
+              </a:spcBef>
+              <a:spcAft>
+                <a:spcPts val="0"/>
+              </a:spcAft>
+              <a:buClrTx/>
+              <a:buSzTx/>
+              <a:buFontTx/>
+              <a:buNone/>
+              <a:tabLst/>
+              <a:defRPr/>
+            </a:pPr>
+            <a:r>
+              <a:rPr lang="en-US" b="1" baseline="0" dirty="0"/>
+              <a:t>Notes:</a:t>
+            </a:r>
+          </a:p>
+          <a:p>
+            <a:pPr marL="0" marR="0" lvl="0" indent="0" algn="l" defTabSz="914400" rtl="0" eaLnBrk="1" fontAlgn="auto" latinLnBrk="0" hangingPunct="1">
+              <a:lnSpc>
+                <a:spcPct val="100000"/>
+              </a:lnSpc>
+              <a:spcBef>
+                <a:spcPts val="0"/>
+              </a:spcBef>
+              <a:spcAft>
+                <a:spcPts val="0"/>
+              </a:spcAft>
+              <a:buClrTx/>
+              <a:buSzTx/>
+              <a:buFont typeface="Arial" pitchFamily="34" charset="0"/>
+              <a:buChar char="•"/>
+              <a:tabLst/>
+              <a:defRPr/>
+            </a:pPr>
+            <a:r>
+              <a:rPr lang="en-US" baseline="0" dirty="0"/>
+              <a:t> Determine what code needs to call platform APIs and isolate it.</a:t>
+            </a:r>
+          </a:p>
+          <a:p>
+            <a:pPr marL="0" marR="0" lvl="0" indent="0" algn="l" defTabSz="914400" rtl="0" eaLnBrk="1" fontAlgn="auto" latinLnBrk="0" hangingPunct="1">
+              <a:lnSpc>
+                <a:spcPct val="100000"/>
+              </a:lnSpc>
+              <a:spcBef>
+                <a:spcPts val="0"/>
+              </a:spcBef>
+              <a:spcAft>
+                <a:spcPts val="0"/>
+              </a:spcAft>
+              <a:buClrTx/>
+              <a:buSzTx/>
+              <a:buFont typeface="Arial" pitchFamily="34" charset="0"/>
+              <a:buChar char="•"/>
+              <a:tabLst/>
+              <a:defRPr/>
+            </a:pPr>
+            <a:r>
+              <a:rPr lang="en-US" baseline="0" dirty="0"/>
+              <a:t> Create parent interfaces or abstract classes to define protocols for platform-specific implementations.</a:t>
+            </a:r>
+          </a:p>
+          <a:p>
+            <a:pPr marL="171450" marR="0" lvl="0" indent="-171450" algn="l" defTabSz="914400" rtl="0" eaLnBrk="1" fontAlgn="auto" latinLnBrk="0" hangingPunct="1">
+              <a:lnSpc>
+                <a:spcPct val="100000"/>
+              </a:lnSpc>
+              <a:spcBef>
+                <a:spcPts val="0"/>
+              </a:spcBef>
+              <a:spcAft>
+                <a:spcPts val="0"/>
+              </a:spcAft>
+              <a:buClrTx/>
+              <a:buSzTx/>
+              <a:buFont typeface="Arial" panose="020B0604020202020204" pitchFamily="34" charset="0"/>
+              <a:buChar char="•"/>
+              <a:tabLst/>
+              <a:defRPr/>
+            </a:pPr>
             <a:endParaRPr lang="en-US" dirty="0"/>
           </a:p>
         </p:txBody>
@@ -2956,7 +3116,92 @@
           <a:p>
             <a:fld id="{01283FAC-A721-45A3-BBDE-EAF2B09B7CD9}" type="slidenum">
               <a:rPr lang="en-US" smtClean="0"/>
+              <a:pPr/>
               <a:t>23</a:t>
+            </a:fld>
+            <a:endParaRPr lang="en-US"/>
+          </a:p>
+        </p:txBody>
+      </p:sp>
+    </p:spTree>
+    <p:extLst>
+      <p:ext uri="{BB962C8B-B14F-4D97-AF65-F5344CB8AC3E}">
+        <p14:creationId xmlns:p14="http://schemas.microsoft.com/office/powerpoint/2010/main" val="1913416203"/>
+      </p:ext>
+    </p:extLst>
+  </p:cSld>
+  <p:clrMapOvr>
+    <a:masterClrMapping/>
+  </p:clrMapOvr>
+</p:notes>
+</file>
+
+<file path=ppt/notesSlides/notesSlide24.xml><?xml version="1.0" encoding="utf-8"?>
+<p:notes xmlns:a="http://schemas.openxmlformats.org/drawingml/2006/main" xmlns:r="http://schemas.openxmlformats.org/officeDocument/2006/relationships" xmlns:p="http://schemas.openxmlformats.org/presentationml/2006/main">
+  <p:cSld>
+    <p:spTree>
+      <p:nvGrpSpPr>
+        <p:cNvPr id="1" name=""/>
+        <p:cNvGrpSpPr/>
+        <p:nvPr/>
+      </p:nvGrpSpPr>
+      <p:grpSpPr>
+        <a:xfrm>
+          <a:off x="0" y="0"/>
+          <a:ext cx="0" cy="0"/>
+          <a:chOff x="0" y="0"/>
+          <a:chExt cx="0" cy="0"/>
+        </a:xfrm>
+      </p:grpSpPr>
+      <p:sp>
+        <p:nvSpPr>
+          <p:cNvPr id="2" name="Slide Image Placeholder 1"/>
+          <p:cNvSpPr>
+            <a:spLocks noGrp="1" noRot="1" noChangeAspect="1"/>
+          </p:cNvSpPr>
+          <p:nvPr>
+            <p:ph type="sldImg"/>
+          </p:nvPr>
+        </p:nvSpPr>
+        <p:spPr/>
+      </p:sp>
+      <p:sp>
+        <p:nvSpPr>
+          <p:cNvPr id="3" name="Notes Placeholder 2"/>
+          <p:cNvSpPr>
+            <a:spLocks noGrp="1"/>
+          </p:cNvSpPr>
+          <p:nvPr>
+            <p:ph type="body" idx="1"/>
+          </p:nvPr>
+        </p:nvSpPr>
+        <p:spPr/>
+        <p:txBody>
+          <a:bodyPr/>
+          <a:lstStyle/>
+          <a:p>
+            <a:endParaRPr lang="en-US" dirty="0"/>
+          </a:p>
+        </p:txBody>
+      </p:sp>
+      <p:sp>
+        <p:nvSpPr>
+          <p:cNvPr id="4" name="Slide Number Placeholder 3"/>
+          <p:cNvSpPr>
+            <a:spLocks noGrp="1"/>
+          </p:cNvSpPr>
+          <p:nvPr>
+            <p:ph type="sldNum" sz="quarter" idx="10"/>
+          </p:nvPr>
+        </p:nvSpPr>
+        <p:spPr/>
+        <p:txBody>
+          <a:bodyPr/>
+          <a:lstStyle/>
+          <a:p>
+            <a:fld id="{01283FAC-A721-45A3-BBDE-EAF2B09B7CD9}" type="slidenum">
+              <a:rPr lang="en-US" smtClean="0"/>
+              <a:t>24</a:t>
             </a:fld>
             <a:endParaRPr lang="en-US"/>
           </a:p>
@@ -3232,9 +3477,27 @@
           </a:bodyPr>
           <a:lstStyle/>
           <a:p>
+            <a:pPr marL="0" indent="0">
+              <a:buFont typeface="Arial"/>
+              <a:buNone/>
+            </a:pPr>
+            <a:r>
+              <a:rPr lang="en-US" altLang="en-US" b="1" dirty="0" smtClean="0"/>
+              <a:t>References:</a:t>
+            </a:r>
+          </a:p>
+          <a:p>
+            <a:pPr marL="171450" indent="-171450">
+              <a:buFont typeface="Arial"/>
+              <a:buChar char="•"/>
+            </a:pPr>
+            <a:r>
+              <a:rPr lang="en-US" altLang="en-US" dirty="0" smtClean="0"/>
+              <a:t>Image </a:t>
+            </a:r>
             <a:r>
               <a:rPr lang="en-US" altLang="en-US" dirty="0"/>
-              <a:t>Image courtesy of Xamarin</a:t>
+              <a:t>courtesy of Xamarin</a:t>
             </a:r>
           </a:p>
         </p:txBody>
@@ -3456,12 +3719,39 @@
               <a:defRPr/>
             </a:pPr>
             <a:r>
-              <a:rPr lang="en-US" b="1" dirty="0"/>
-              <a:t>Benefits of C#:</a:t>
-            </a:r>
-          </a:p>
-          <a:p>
-            <a:pPr marL="171450" lvl="0" indent="-171450">
+              <a:rPr lang="en-US" b="1" dirty="0" smtClean="0"/>
+              <a:t>Notes:</a:t>
+            </a:r>
+          </a:p>
+          <a:p>
+            <a:pPr marL="171450" marR="0" lvl="0" indent="-171450" algn="l" defTabSz="914400" rtl="0" eaLnBrk="1" fontAlgn="auto" latinLnBrk="0" hangingPunct="1">
+              <a:lnSpc>
+                <a:spcPct val="100000"/>
+              </a:lnSpc>
+              <a:spcBef>
+                <a:spcPts val="0"/>
+              </a:spcBef>
+              <a:spcAft>
+                <a:spcPts val="0"/>
+              </a:spcAft>
+              <a:buClrTx/>
+              <a:buSzTx/>
+              <a:buFont typeface="Arial"/>
+              <a:buChar char="•"/>
+              <a:tabLst/>
+              <a:defRPr/>
+            </a:pPr>
+            <a:r>
+              <a:rPr lang="en-US" b="0" dirty="0" smtClean="0"/>
+              <a:t>Benefits </a:t>
+            </a:r>
+            <a:r>
+              <a:rPr lang="en-US" b="0" dirty="0"/>
+              <a:t>of C#:</a:t>
+            </a:r>
+          </a:p>
+          <a:p>
+            <a:pPr marL="628650" lvl="1" indent="-171450">
               <a:buFont typeface="Arial"/>
               <a:buChar char="•"/>
             </a:pPr>
@@ -3471,7 +3761,7 @@
             </a:r>
           </a:p>
           <a:p>
-            <a:pPr marL="171450" lvl="0" indent="-171450">
+            <a:pPr marL="628650" lvl="1" indent="-171450">
               <a:buFont typeface="Arial"/>
               <a:buChar char="•"/>
             </a:pPr>
@@ -3481,7 +3771,7 @@
             </a:r>
           </a:p>
           <a:p>
-            <a:pPr marL="171450" lvl="0" indent="-171450">
+            <a:pPr marL="628650" lvl="1" indent="-171450">
               <a:buFont typeface="Arial"/>
               <a:buChar char="•"/>
             </a:pPr>
@@ -3491,14 +3781,24 @@
             </a:r>
           </a:p>
           <a:p>
-            <a:pPr marL="171450" lvl="0" indent="-171450">
+            <a:pPr marL="628650" lvl="1" indent="-171450">
               <a:buFont typeface="Arial"/>
               <a:buChar char="•"/>
             </a:pPr>
             <a:r>
               <a:rPr lang="en-US" dirty="0"/>
-              <a:t>Syntactically similar to C and C++</a:t>
-            </a:r>
+              <a:t>Syntactically similar to C and C+</a:t>
+            </a:r>
+            <a:r>
+              <a:rPr lang="en-US" dirty="0" smtClean="0"/>
+              <a:t>+</a:t>
+            </a:r>
+          </a:p>
+          <a:p>
+            <a:pPr marL="457200" lvl="1" indent="0">
+              <a:buFont typeface="Arial"/>
+              <a:buNone/>
+            </a:pPr>
             <a:endParaRPr lang="en-US" b="1" dirty="0"/>
           </a:p>
           <a:p>
@@ -4494,7 +4794,7 @@
             <a:fld id="{0459C166-16D3-4A25-A2F8-C51E0E346B22}" type="datetimeFigureOut">
               <a:rPr lang="en-US" smtClean="0"/>
               <a:pPr/>
-              <a:t>6/16/16</a:t>
+              <a:t>6/28/16</a:t>
             </a:fld>
             <a:endParaRPr lang="en-US"/>
           </a:p>
@@ -4664,7 +4964,7 @@
             <a:fld id="{0459C166-16D3-4A25-A2F8-C51E0E346B22}" type="datetimeFigureOut">
               <a:rPr lang="en-US" smtClean="0"/>
               <a:pPr/>
-              <a:t>6/16/16</a:t>
+              <a:t>6/28/16</a:t>
             </a:fld>
             <a:endParaRPr lang="en-US"/>
           </a:p>
@@ -4844,7 +5144,7 @@
             <a:fld id="{0459C166-16D3-4A25-A2F8-C51E0E346B22}" type="datetimeFigureOut">
               <a:rPr lang="en-US" smtClean="0"/>
               <a:pPr/>
-              <a:t>6/16/16</a:t>
+              <a:t>6/28/16</a:t>
             </a:fld>
             <a:endParaRPr lang="en-US"/>
           </a:p>
@@ -5014,7 +5314,7 @@
             <a:fld id="{0459C166-16D3-4A25-A2F8-C51E0E346B22}" type="datetimeFigureOut">
               <a:rPr lang="en-US" smtClean="0"/>
               <a:pPr/>
-              <a:t>6/16/16</a:t>
+              <a:t>6/28/16</a:t>
             </a:fld>
             <a:endParaRPr lang="en-US"/>
           </a:p>
@@ -5281,7 +5581,7 @@
             <a:fld id="{0459C166-16D3-4A25-A2F8-C51E0E346B22}" type="datetimeFigureOut">
               <a:rPr lang="en-US" smtClean="0"/>
               <a:pPr/>
-              <a:t>6/16/16</a:t>
+              <a:t>6/28/16</a:t>
             </a:fld>
             <a:endParaRPr lang="en-US"/>
           </a:p>
@@ -5528,7 +5828,7 @@
             <a:fld id="{0459C166-16D3-4A25-A2F8-C51E0E346B22}" type="datetimeFigureOut">
               <a:rPr lang="en-US" smtClean="0"/>
               <a:pPr/>
-              <a:t>6/16/16</a:t>
+              <a:t>6/28/16</a:t>
             </a:fld>
             <a:endParaRPr lang="en-US"/>
           </a:p>
@@ -5894,7 +6194,7 @@
             <a:fld id="{0459C166-16D3-4A25-A2F8-C51E0E346B22}" type="datetimeFigureOut">
               <a:rPr lang="en-US" smtClean="0"/>
               <a:pPr/>
-              <a:t>6/16/16</a:t>
+              <a:t>6/28/16</a:t>
             </a:fld>
             <a:endParaRPr lang="en-US"/>
           </a:p>
@@ -6013,7 +6313,7 @@
             <a:fld id="{0459C166-16D3-4A25-A2F8-C51E0E346B22}" type="datetimeFigureOut">
               <a:rPr lang="en-US" smtClean="0"/>
               <a:pPr/>
-              <a:t>6/16/16</a:t>
+              <a:t>6/28/16</a:t>
             </a:fld>
             <a:endParaRPr lang="en-US"/>
           </a:p>
@@ -6110,7 +6410,7 @@
             <a:fld id="{0459C166-16D3-4A25-A2F8-C51E0E346B22}" type="datetimeFigureOut">
               <a:rPr lang="en-US" smtClean="0"/>
               <a:pPr/>
-              <a:t>6/16/16</a:t>
+              <a:t>6/28/16</a:t>
             </a:fld>
             <a:endParaRPr lang="en-US"/>
           </a:p>
@@ -6387,7 +6687,7 @@
             <a:fld id="{0459C166-16D3-4A25-A2F8-C51E0E346B22}" type="datetimeFigureOut">
               <a:rPr lang="en-US" smtClean="0"/>
               <a:pPr/>
-              <a:t>6/16/16</a:t>
+              <a:t>6/28/16</a:t>
             </a:fld>
             <a:endParaRPr lang="en-US"/>
           </a:p>
@@ -6641,7 +6941,7 @@
             <a:fld id="{0459C166-16D3-4A25-A2F8-C51E0E346B22}" type="datetimeFigureOut">
               <a:rPr lang="en-US" smtClean="0"/>
               <a:pPr/>
-              <a:t>6/16/16</a:t>
+              <a:t>6/28/16</a:t>
             </a:fld>
             <a:endParaRPr lang="en-US"/>
           </a:p>
@@ -6854,7 +7154,7 @@
             <a:fld id="{0459C166-16D3-4A25-A2F8-C51E0E346B22}" type="datetimeFigureOut">
               <a:rPr lang="en-US" smtClean="0"/>
               <a:pPr/>
-              <a:t>6/16/16</a:t>
+              <a:t>6/28/16</a:t>
             </a:fld>
             <a:endParaRPr lang="en-US"/>
           </a:p>
@@ -8078,6 +8378,551 @@
             <p:ph type="title"/>
           </p:nvPr>
         </p:nvSpPr>
+        <p:spPr>
+          <a:xfrm>
+            <a:off x="839435" y="360638"/>
+            <a:ext cx="10515600" cy="1325563"/>
+          </a:xfrm>
+        </p:spPr>
+        <p:txBody>
+          <a:bodyPr>
+            <a:normAutofit/>
+          </a:bodyPr>
+          <a:lstStyle/>
+          <a:p>
+            <a:r>
+              <a:rPr lang="en-US" dirty="0" err="1"/>
+              <a:t>Xamarin</a:t>
+            </a:r>
+            <a:r>
+              <a:rPr lang="en-US" dirty="0"/>
+              <a:t> Approach</a:t>
+            </a:r>
+          </a:p>
+        </p:txBody>
+      </p:sp>
+      <p:grpSp>
+        <p:nvGrpSpPr>
+          <p:cNvPr id="30" name="Group 29"/>
+          <p:cNvGrpSpPr/>
+          <p:nvPr/>
+        </p:nvGrpSpPr>
+        <p:grpSpPr>
+          <a:xfrm>
+            <a:off x="1" y="1586145"/>
+            <a:ext cx="12191999" cy="791753"/>
+            <a:chOff x="979715" y="1950630"/>
+            <a:chExt cx="9998962" cy="832911"/>
+          </a:xfrm>
+        </p:grpSpPr>
+        <p:sp>
+          <p:nvSpPr>
+            <p:cNvPr id="33" name="Rectangle 32"/>
+            <p:cNvSpPr/>
+            <p:nvPr/>
+          </p:nvSpPr>
+          <p:spPr>
+            <a:xfrm>
+              <a:off x="979715" y="1950630"/>
+              <a:ext cx="9998962" cy="832911"/>
+            </a:xfrm>
+            <a:prstGeom prst="rect">
+              <a:avLst/>
+            </a:prstGeom>
+            <a:solidFill>
+              <a:srgbClr val="0070C0"/>
+            </a:solidFill>
+            <a:ln w="9525" cap="flat" cmpd="sng" algn="ctr">
+              <a:noFill/>
+              <a:prstDash val="solid"/>
+            </a:ln>
+            <a:effectLst/>
+          </p:spPr>
+          <p:txBody>
+            <a:bodyPr rtlCol="0" anchor="ctr"/>
+            <a:lstStyle/>
+            <a:p>
+              <a:pPr marL="0" marR="0" lvl="0" indent="0" algn="ctr" defTabSz="914400" eaLnBrk="1" fontAlgn="auto" latinLnBrk="0" hangingPunct="1">
+                <a:lnSpc>
+                  <a:spcPct val="100000"/>
+                </a:lnSpc>
+                <a:spcBef>
+                  <a:spcPts val="0"/>
+                </a:spcBef>
+                <a:spcAft>
+                  <a:spcPts val="0"/>
+                </a:spcAft>
+                <a:buClrTx/>
+                <a:buSzTx/>
+                <a:buFont typeface="Arial" panose="020B0604020202020204" pitchFamily="34" charset="0"/>
+                <a:buNone/>
+                <a:tabLst/>
+                <a:defRPr/>
+              </a:pPr>
+              <a:endParaRPr kumimoji="0" lang="en-US" sz="4000" i="1" u="none" strike="noStrike" kern="0" cap="none" spc="0" normalizeH="0" baseline="0" noProof="0" dirty="0">
+                <a:ln>
+                  <a:noFill/>
+                </a:ln>
+                <a:solidFill>
+                  <a:prstClr val="white"/>
+                </a:solidFill>
+                <a:effectLst/>
+                <a:uLnTx/>
+                <a:uFillTx/>
+                <a:latin typeface="+mj-lt"/>
+              </a:endParaRPr>
+            </a:p>
+          </p:txBody>
+        </p:sp>
+        <p:sp>
+          <p:nvSpPr>
+            <p:cNvPr id="35" name="Content Placeholder 2"/>
+            <p:cNvSpPr txBox="1">
+              <a:spLocks/>
+            </p:cNvSpPr>
+            <p:nvPr/>
+          </p:nvSpPr>
+          <p:spPr>
+            <a:xfrm>
+              <a:off x="1555276" y="1950630"/>
+              <a:ext cx="9295782" cy="832911"/>
+            </a:xfrm>
+            <a:prstGeom prst="rect">
+              <a:avLst/>
+            </a:prstGeom>
+          </p:spPr>
+          <p:txBody>
+            <a:bodyPr anchor="ctr"/>
+            <a:lstStyle>
+              <a:lvl1pPr marL="0" indent="0" algn="ctr" defTabSz="914400" rtl="0" eaLnBrk="1" latinLnBrk="0" hangingPunct="1">
+                <a:lnSpc>
+                  <a:spcPct val="90000"/>
+                </a:lnSpc>
+                <a:spcBef>
+                  <a:spcPts val="1000"/>
+                </a:spcBef>
+                <a:buFont typeface="Arial" panose="020B0604020202020204" pitchFamily="34" charset="0"/>
+                <a:buNone/>
+                <a:defRPr sz="2800" i="1" kern="1200">
+                  <a:solidFill>
+                    <a:schemeClr val="bg1"/>
+                  </a:solidFill>
+                  <a:latin typeface="+mn-lt"/>
+                  <a:ea typeface="+mn-ea"/>
+                  <a:cs typeface="+mn-cs"/>
+                </a:defRPr>
+              </a:lvl1pPr>
+              <a:lvl2pPr marL="457200" indent="0" algn="ctr" defTabSz="914400" rtl="0" eaLnBrk="1" latinLnBrk="0" hangingPunct="1">
+                <a:lnSpc>
+                  <a:spcPct val="90000"/>
+                </a:lnSpc>
+                <a:spcBef>
+                  <a:spcPts val="500"/>
+                </a:spcBef>
+                <a:buFont typeface="Arial" panose="020B0604020202020204" pitchFamily="34" charset="0"/>
+                <a:buNone/>
+                <a:defRPr sz="2400" i="1" kern="1200">
+                  <a:solidFill>
+                    <a:schemeClr val="bg1"/>
+                  </a:solidFill>
+                  <a:latin typeface="+mn-lt"/>
+                  <a:ea typeface="+mn-ea"/>
+                  <a:cs typeface="+mn-cs"/>
+                </a:defRPr>
+              </a:lvl2pPr>
+              <a:lvl3pPr marL="914400" indent="0" algn="ctr" defTabSz="914400" rtl="0" eaLnBrk="1" latinLnBrk="0" hangingPunct="1">
+                <a:lnSpc>
+                  <a:spcPct val="90000"/>
+                </a:lnSpc>
+                <a:spcBef>
+                  <a:spcPts val="500"/>
+                </a:spcBef>
+                <a:buFont typeface="Arial" panose="020B0604020202020204" pitchFamily="34" charset="0"/>
+                <a:buNone/>
+                <a:defRPr sz="2000" i="1" kern="1200">
+                  <a:solidFill>
+                    <a:schemeClr val="bg1"/>
+                  </a:solidFill>
+                  <a:latin typeface="+mn-lt"/>
+                  <a:ea typeface="+mn-ea"/>
+                  <a:cs typeface="+mn-cs"/>
+                </a:defRPr>
+              </a:lvl3pPr>
+              <a:lvl4pPr marL="1371600" indent="0" algn="ctr" defTabSz="914400" rtl="0" eaLnBrk="1" latinLnBrk="0" hangingPunct="1">
+                <a:lnSpc>
+                  <a:spcPct val="90000"/>
+                </a:lnSpc>
+                <a:spcBef>
+                  <a:spcPts val="500"/>
+                </a:spcBef>
+                <a:buFont typeface="Arial" panose="020B0604020202020204" pitchFamily="34" charset="0"/>
+                <a:buNone/>
+                <a:defRPr sz="1800" i="1" kern="1200">
+                  <a:solidFill>
+                    <a:schemeClr val="bg1"/>
+                  </a:solidFill>
+                  <a:latin typeface="+mn-lt"/>
+                  <a:ea typeface="+mn-ea"/>
+                  <a:cs typeface="+mn-cs"/>
+                </a:defRPr>
+              </a:lvl4pPr>
+              <a:lvl5pPr marL="1828800" indent="0" algn="ctr" defTabSz="914400" rtl="0" eaLnBrk="1" latinLnBrk="0" hangingPunct="1">
+                <a:lnSpc>
+                  <a:spcPct val="90000"/>
+                </a:lnSpc>
+                <a:spcBef>
+                  <a:spcPts val="500"/>
+                </a:spcBef>
+                <a:buFont typeface="Arial" panose="020B0604020202020204" pitchFamily="34" charset="0"/>
+                <a:buNone/>
+                <a:defRPr sz="1800" i="1" kern="1200">
+                  <a:solidFill>
+                    <a:schemeClr val="bg1"/>
+                  </a:solidFill>
+                  <a:latin typeface="+mn-lt"/>
+                  <a:ea typeface="+mn-ea"/>
+                  <a:cs typeface="+mn-cs"/>
+                </a:defRPr>
+              </a:lvl5pPr>
+              <a:lvl6pPr marL="2514600" indent="-228600" algn="l" defTabSz="914400" rtl="0" eaLnBrk="1" latinLnBrk="0" hangingPunct="1">
+                <a:lnSpc>
+                  <a:spcPct val="90000"/>
+                </a:lnSpc>
+                <a:spcBef>
+                  <a:spcPts val="500"/>
+                </a:spcBef>
+                <a:buFont typeface="Arial" panose="020B0604020202020204" pitchFamily="34" charset="0"/>
+                <a:buChar char="•"/>
+                <a:defRPr sz="1800" kern="1200">
+                  <a:solidFill>
+                    <a:schemeClr val="tx1"/>
+                  </a:solidFill>
+                  <a:latin typeface="+mn-lt"/>
+                  <a:ea typeface="+mn-ea"/>
+                  <a:cs typeface="+mn-cs"/>
+                </a:defRPr>
+              </a:lvl6pPr>
+              <a:lvl7pPr marL="2971800" indent="-228600" algn="l" defTabSz="914400" rtl="0" eaLnBrk="1" latinLnBrk="0" hangingPunct="1">
+                <a:lnSpc>
+                  <a:spcPct val="90000"/>
+                </a:lnSpc>
+                <a:spcBef>
+                  <a:spcPts val="500"/>
+                </a:spcBef>
+                <a:buFont typeface="Arial" panose="020B0604020202020204" pitchFamily="34" charset="0"/>
+                <a:buChar char="•"/>
+                <a:defRPr sz="1800" kern="1200">
+                  <a:solidFill>
+                    <a:schemeClr val="tx1"/>
+                  </a:solidFill>
+                  <a:latin typeface="+mn-lt"/>
+                  <a:ea typeface="+mn-ea"/>
+                  <a:cs typeface="+mn-cs"/>
+                </a:defRPr>
+              </a:lvl7pPr>
+              <a:lvl8pPr marL="3429000" indent="-228600" algn="l" defTabSz="914400" rtl="0" eaLnBrk="1" latinLnBrk="0" hangingPunct="1">
+                <a:lnSpc>
+                  <a:spcPct val="90000"/>
+                </a:lnSpc>
+                <a:spcBef>
+                  <a:spcPts val="500"/>
+                </a:spcBef>
+                <a:buFont typeface="Arial" panose="020B0604020202020204" pitchFamily="34" charset="0"/>
+                <a:buChar char="•"/>
+                <a:defRPr sz="1800" kern="1200">
+                  <a:solidFill>
+                    <a:schemeClr val="tx1"/>
+                  </a:solidFill>
+                  <a:latin typeface="+mn-lt"/>
+                  <a:ea typeface="+mn-ea"/>
+                  <a:cs typeface="+mn-cs"/>
+                </a:defRPr>
+              </a:lvl8pPr>
+              <a:lvl9pPr marL="3886200" indent="-228600" algn="l" defTabSz="914400" rtl="0" eaLnBrk="1" latinLnBrk="0" hangingPunct="1">
+                <a:lnSpc>
+                  <a:spcPct val="90000"/>
+                </a:lnSpc>
+                <a:spcBef>
+                  <a:spcPts val="500"/>
+                </a:spcBef>
+                <a:buFont typeface="Arial" panose="020B0604020202020204" pitchFamily="34" charset="0"/>
+                <a:buChar char="•"/>
+                <a:defRPr sz="1800" kern="1200">
+                  <a:solidFill>
+                    <a:schemeClr val="tx1"/>
+                  </a:solidFill>
+                  <a:latin typeface="+mn-lt"/>
+                  <a:ea typeface="+mn-ea"/>
+                  <a:cs typeface="+mn-cs"/>
+                </a:defRPr>
+              </a:lvl9pPr>
+            </a:lstStyle>
+            <a:p>
+              <a:pPr algn="l"/>
+              <a:r>
+                <a:rPr lang="en-US" i="0" dirty="0"/>
+                <a:t>Xamarin supports F#</a:t>
+              </a:r>
+            </a:p>
+          </p:txBody>
+        </p:sp>
+      </p:grpSp>
+      <p:sp>
+        <p:nvSpPr>
+          <p:cNvPr id="38" name="Rectangle 37"/>
+          <p:cNvSpPr/>
+          <p:nvPr/>
+        </p:nvSpPr>
+        <p:spPr>
+          <a:xfrm>
+            <a:off x="0" y="3625971"/>
+            <a:ext cx="12192000" cy="620247"/>
+          </a:xfrm>
+          <a:prstGeom prst="rect">
+            <a:avLst/>
+          </a:prstGeom>
+          <a:noFill/>
+          <a:ln w="9525" cap="flat" cmpd="sng" algn="ctr">
+            <a:noFill/>
+            <a:prstDash val="solid"/>
+          </a:ln>
+          <a:effectLst/>
+        </p:spPr>
+        <p:txBody>
+          <a:bodyPr rtlCol="0" anchor="ctr"/>
+          <a:lstStyle/>
+          <a:p>
+            <a:pPr marL="0" marR="0" lvl="0" indent="0" algn="ctr" defTabSz="914400" eaLnBrk="1" fontAlgn="auto" latinLnBrk="0" hangingPunct="1">
+              <a:lnSpc>
+                <a:spcPct val="100000"/>
+              </a:lnSpc>
+              <a:spcBef>
+                <a:spcPts val="0"/>
+              </a:spcBef>
+              <a:spcAft>
+                <a:spcPts val="0"/>
+              </a:spcAft>
+              <a:buClrTx/>
+              <a:buSzTx/>
+              <a:buFont typeface="Arial" panose="020B0604020202020204" pitchFamily="34" charset="0"/>
+              <a:buNone/>
+              <a:tabLst/>
+              <a:defRPr/>
+            </a:pPr>
+            <a:endParaRPr kumimoji="0" lang="en-US" sz="4000" i="1" u="none" strike="noStrike" kern="0" cap="none" spc="0" normalizeH="0" baseline="0" noProof="0" dirty="0">
+              <a:ln>
+                <a:noFill/>
+              </a:ln>
+              <a:solidFill>
+                <a:srgbClr val="000000"/>
+              </a:solidFill>
+              <a:effectLst/>
+              <a:uLnTx/>
+              <a:uFillTx/>
+              <a:latin typeface="+mj-lt"/>
+            </a:endParaRPr>
+          </a:p>
+        </p:txBody>
+      </p:sp>
+      <p:sp>
+        <p:nvSpPr>
+          <p:cNvPr id="54" name="Rectangle 53"/>
+          <p:cNvSpPr/>
+          <p:nvPr/>
+        </p:nvSpPr>
+        <p:spPr>
+          <a:xfrm>
+            <a:off x="0" y="2225738"/>
+            <a:ext cx="12192000" cy="2893458"/>
+          </a:xfrm>
+          <a:prstGeom prst="rect">
+            <a:avLst/>
+          </a:prstGeom>
+          <a:noFill/>
+          <a:ln>
+            <a:noFill/>
+          </a:ln>
+        </p:spPr>
+        <p:style>
+          <a:lnRef idx="2">
+            <a:schemeClr val="accent1">
+              <a:shade val="50000"/>
+            </a:schemeClr>
+          </a:lnRef>
+          <a:fillRef idx="1">
+            <a:schemeClr val="accent1"/>
+          </a:fillRef>
+          <a:effectRef idx="0">
+            <a:schemeClr val="accent1"/>
+          </a:effectRef>
+          <a:fontRef idx="minor">
+            <a:schemeClr val="lt1"/>
+          </a:fontRef>
+        </p:style>
+        <p:txBody>
+          <a:bodyPr rtlCol="0" anchor="ctr"/>
+          <a:lstStyle/>
+          <a:p>
+            <a:pPr marL="1255713" indent="-342900">
+              <a:buFont typeface="Wingdings" charset="2"/>
+              <a:buChar char="§"/>
+            </a:pPr>
+            <a:r>
+              <a:rPr lang="en-US" sz="2400" dirty="0">
+                <a:solidFill>
+                  <a:srgbClr val="000000"/>
+                </a:solidFill>
+              </a:rPr>
+              <a:t>F# is a strongly-typed, functional, imperative programming language </a:t>
+            </a:r>
+          </a:p>
+          <a:p>
+            <a:pPr marL="1255713" indent="-342900">
+              <a:buFont typeface="Wingdings" charset="2"/>
+              <a:buChar char="§"/>
+            </a:pPr>
+            <a:r>
+              <a:rPr lang="en-US" sz="2400" dirty="0">
+                <a:solidFill>
+                  <a:srgbClr val="000000"/>
+                </a:solidFill>
+              </a:rPr>
+              <a:t>Designed to run on .NET</a:t>
+            </a:r>
+          </a:p>
+          <a:p>
+            <a:pPr marL="1255713" indent="-342900">
+              <a:buFont typeface="Wingdings" charset="2"/>
+              <a:buChar char="§"/>
+            </a:pPr>
+            <a:r>
+              <a:rPr lang="en-US" sz="2400" dirty="0">
+                <a:solidFill>
+                  <a:srgbClr val="000000"/>
+                </a:solidFill>
+              </a:rPr>
+              <a:t>Made possible since Xamarin supports the core .NET libraries</a:t>
+            </a:r>
+          </a:p>
+        </p:txBody>
+      </p:sp>
+      <p:sp>
+        <p:nvSpPr>
+          <p:cNvPr id="55" name="Rectangle 54"/>
+          <p:cNvSpPr/>
+          <p:nvPr/>
+        </p:nvSpPr>
+        <p:spPr>
+          <a:xfrm>
+            <a:off x="0" y="3990259"/>
+            <a:ext cx="12192000" cy="1131992"/>
+          </a:xfrm>
+          <a:prstGeom prst="rect">
+            <a:avLst/>
+          </a:prstGeom>
+          <a:noFill/>
+          <a:ln>
+            <a:noFill/>
+          </a:ln>
+        </p:spPr>
+        <p:style>
+          <a:lnRef idx="2">
+            <a:schemeClr val="accent1">
+              <a:shade val="50000"/>
+            </a:schemeClr>
+          </a:lnRef>
+          <a:fillRef idx="1">
+            <a:schemeClr val="accent1"/>
+          </a:fillRef>
+          <a:effectRef idx="0">
+            <a:schemeClr val="accent1"/>
+          </a:effectRef>
+          <a:fontRef idx="minor">
+            <a:schemeClr val="lt1"/>
+          </a:fontRef>
+        </p:style>
+        <p:txBody>
+          <a:bodyPr rtlCol="0" anchor="ctr"/>
+          <a:lstStyle/>
+          <a:p>
+            <a:pPr marL="1260475" indent="-349250" defTabSz="798513">
+              <a:buFont typeface="Wingdings" charset="2"/>
+              <a:buChar char="§"/>
+            </a:pPr>
+            <a:endParaRPr lang="en-US" sz="2400" dirty="0">
+              <a:solidFill>
+                <a:srgbClr val="000000"/>
+              </a:solidFill>
+            </a:endParaRPr>
+          </a:p>
+        </p:txBody>
+      </p:sp>
+      <p:sp>
+        <p:nvSpPr>
+          <p:cNvPr id="4" name="TextBox 3"/>
+          <p:cNvSpPr txBox="1"/>
+          <p:nvPr/>
+        </p:nvSpPr>
+        <p:spPr>
+          <a:xfrm>
+            <a:off x="580864" y="3996911"/>
+            <a:ext cx="184666" cy="369332"/>
+          </a:xfrm>
+          <a:prstGeom prst="rect">
+            <a:avLst/>
+          </a:prstGeom>
+          <a:noFill/>
+        </p:spPr>
+        <p:txBody>
+          <a:bodyPr wrap="none" rtlCol="0">
+            <a:spAutoFit/>
+          </a:bodyPr>
+          <a:lstStyle/>
+          <a:p>
+            <a:endParaRPr lang="en-US" dirty="0"/>
+          </a:p>
+        </p:txBody>
+      </p:sp>
+    </p:spTree>
+    <p:extLst>
+      <p:ext uri="{BB962C8B-B14F-4D97-AF65-F5344CB8AC3E}">
+        <p14:creationId xmlns:p14="http://schemas.microsoft.com/office/powerpoint/2010/main" val="3379801325"/>
+      </p:ext>
+    </p:extLst>
+  </p:cSld>
+  <p:clrMapOvr>
+    <a:masterClrMapping/>
+  </p:clrMapOvr>
+</p:sld>
+</file>
+
+<file path=ppt/slides/slide13.xml><?xml version="1.0" encoding="utf-8"?>
+<p:sld xmlns:a="http://schemas.openxmlformats.org/drawingml/2006/main" xmlns:r="http://schemas.openxmlformats.org/officeDocument/2006/relationships" xmlns:p="http://schemas.openxmlformats.org/presentationml/2006/main">
+  <p:cSld>
+    <p:spTree>
+      <p:nvGrpSpPr>
+        <p:cNvPr id="1" name=""/>
+        <p:cNvGrpSpPr/>
+        <p:nvPr/>
+      </p:nvGrpSpPr>
+      <p:grpSpPr>
+        <a:xfrm>
+          <a:off x="0" y="0"/>
+          <a:ext cx="0" cy="0"/>
+          <a:chOff x="0" y="0"/>
+          <a:chExt cx="0" cy="0"/>
+        </a:xfrm>
+      </p:grpSpPr>
+      <p:sp>
+        <p:nvSpPr>
+          <p:cNvPr id="2" name="Title 1"/>
+          <p:cNvSpPr>
+            <a:spLocks noGrp="1"/>
+          </p:cNvSpPr>
+          <p:nvPr>
+            <p:ph type="title"/>
+          </p:nvPr>
+        </p:nvSpPr>
         <p:spPr/>
         <p:txBody>
           <a:bodyPr>
@@ -8528,7 +9373,7 @@
 </p:sld>
 </file>
 
-<file path=ppt/slides/slide13.xml><?xml version="1.0" encoding="utf-8"?>
+<file path=ppt/slides/slide14.xml><?xml version="1.0" encoding="utf-8"?>
 <p:sld xmlns:a="http://schemas.openxmlformats.org/drawingml/2006/main" xmlns:r="http://schemas.openxmlformats.org/officeDocument/2006/relationships" xmlns:p="http://schemas.openxmlformats.org/presentationml/2006/main">
   <p:cSld>
     <p:spTree>
@@ -8610,7 +9455,7 @@
         <p:spPr>
           <a:xfrm>
             <a:off x="365688" y="2536776"/>
-            <a:ext cx="5415604" cy="3994928"/>
+            <a:ext cx="5415604" cy="3527107"/>
           </a:xfrm>
           <a:prstGeom prst="rect">
             <a:avLst/>
@@ -8623,7 +9468,7 @@
           </a:bodyPr>
           <a:lstStyle/>
           <a:p>
-            <a:pPr marL="342900" lvl="0" indent="-342900">
+            <a:pPr marL="800100" lvl="1" indent="-342900">
               <a:lnSpc>
                 <a:spcPct val="110000"/>
               </a:lnSpc>
@@ -8631,63 +9476,12 @@
               <a:buChar char="§"/>
             </a:pPr>
             <a:r>
-              <a:rPr lang="en-US" altLang="en-US" sz="2800" dirty="0">
-                <a:solidFill>
-                  <a:srgbClr val="000000"/>
-                </a:solidFill>
-                <a:cs typeface="Arial" panose="020B0604020202020204" pitchFamily="34" charset="0"/>
+              <a:rPr lang="en-US" sz="2400" dirty="0">
+                <a:latin typeface="Segoe UI"/>
+                <a:cs typeface="Segoe UI"/>
               </a:rPr>
-              <a:t>Shared app logic, </a:t>
-            </a:r>
-            <a:r>
-              <a:rPr lang="en-US" altLang="en-US" sz="2800" dirty="0" smtClean="0">
-                <a:solidFill>
-                  <a:srgbClr val="000000"/>
-                </a:solidFill>
-                <a:cs typeface="Arial" panose="020B0604020202020204" pitchFamily="34" charset="0"/>
-              </a:rPr>
-              <a:t>platform</a:t>
-            </a:r>
-            <a:r>
-              <a:rPr lang="en-US" altLang="en-US" sz="2800" dirty="0">
-                <a:solidFill>
-                  <a:srgbClr val="000000"/>
-                </a:solidFill>
-                <a:cs typeface="Arial" panose="020B0604020202020204" pitchFamily="34" charset="0"/>
-              </a:rPr>
-              <a:t>-specific UI, </a:t>
-            </a:r>
-            <a:r>
-              <a:rPr lang="en-US" altLang="en-US" sz="2800" dirty="0" smtClean="0">
-                <a:solidFill>
-                  <a:srgbClr val="000000"/>
-                </a:solidFill>
-                <a:cs typeface="Arial" panose="020B0604020202020204" pitchFamily="34" charset="0"/>
-              </a:rPr>
-              <a:t>all </a:t>
-            </a:r>
-            <a:r>
-              <a:rPr lang="en-US" altLang="en-US" sz="2800" dirty="0">
-                <a:solidFill>
-                  <a:srgbClr val="000000"/>
-                </a:solidFill>
-                <a:cs typeface="Arial" panose="020B0604020202020204" pitchFamily="34" charset="0"/>
-              </a:rPr>
-              <a:t>in C</a:t>
-            </a:r>
-            <a:r>
-              <a:rPr lang="en-US" altLang="en-US" sz="2800" dirty="0" smtClean="0">
-                <a:solidFill>
-                  <a:srgbClr val="000000"/>
-                </a:solidFill>
-                <a:cs typeface="Arial" panose="020B0604020202020204" pitchFamily="34" charset="0"/>
-              </a:rPr>
-              <a:t>#</a:t>
-            </a:r>
-            <a:endParaRPr lang="en-US" sz="2000" dirty="0" smtClean="0">
-              <a:latin typeface="Segoe UI"/>
-              <a:cs typeface="Segoe UI"/>
-            </a:endParaRPr>
+              <a:t>Platform-specific UI code in C#, XAML, XML, Storyboards, and XIBs</a:t>
+            </a:r>
           </a:p>
           <a:p>
             <a:pPr marL="800100" lvl="1" indent="-342900">
@@ -8696,30 +9490,19 @@
               <a:defRPr/>
             </a:pPr>
             <a:r>
-              <a:rPr lang="en-US" sz="2400" dirty="0" smtClean="0">
-                <a:latin typeface="Segoe UI"/>
-                <a:cs typeface="Segoe UI"/>
-              </a:rPr>
-              <a:t>Platform</a:t>
-            </a:r>
-            <a:r>
               <a:rPr lang="en-US" sz="2400" dirty="0">
                 <a:latin typeface="Segoe UI"/>
                 <a:cs typeface="Segoe UI"/>
               </a:rPr>
-              <a:t>-specific UI code in C</a:t>
-            </a:r>
-            <a:r>
-              <a:rPr lang="en-US" sz="2400" dirty="0" smtClean="0">
+              <a:t>Shared app logic code in </a:t>
+            </a:r>
+            <a:r>
+              <a:rPr lang="en-US" sz="2400">
                 <a:latin typeface="Segoe UI"/>
                 <a:cs typeface="Segoe UI"/>
               </a:rPr>
-              <a:t>#</a:t>
-            </a:r>
-            <a:endParaRPr lang="en-US" sz="2400" dirty="0">
-              <a:latin typeface="Segoe UI"/>
-              <a:cs typeface="Segoe UI"/>
-            </a:endParaRPr>
+              <a:t>C#</a:t>
+            </a:r>
           </a:p>
           <a:p>
             <a:pPr marL="800100" lvl="1" indent="-342900">
@@ -8728,73 +9511,19 @@
               <a:defRPr/>
             </a:pPr>
             <a:r>
+              <a:rPr lang="en-US" sz="2400">
+                <a:latin typeface="Segoe UI"/>
+                <a:cs typeface="Segoe UI"/>
+              </a:rPr>
+              <a:t>100</a:t>
+            </a:r>
+            <a:r>
               <a:rPr lang="en-US" sz="2400" dirty="0">
                 <a:latin typeface="Segoe UI"/>
                 <a:cs typeface="Segoe UI"/>
               </a:rPr>
-              <a:t>Shared app logic code in C</a:t>
-            </a:r>
-            <a:r>
-              <a:rPr lang="en-US" sz="2400" dirty="0" smtClean="0">
-                <a:latin typeface="Segoe UI"/>
-                <a:cs typeface="Segoe UI"/>
-              </a:rPr>
-              <a:t>#</a:t>
-            </a:r>
-            <a:endParaRPr lang="en-US" sz="2400" dirty="0">
-              <a:latin typeface="Segoe UI"/>
-              <a:cs typeface="Segoe UI"/>
-            </a:endParaRPr>
-          </a:p>
-          <a:p>
-            <a:pPr marL="800100" lvl="1" indent="-342900">
-              <a:buFont typeface="Wingdings" charset="2"/>
-              <a:buChar char="§"/>
-              <a:defRPr/>
-            </a:pPr>
-            <a:r>
-              <a:rPr lang="en-US" sz="2400" dirty="0">
-                <a:latin typeface="Segoe UI"/>
-                <a:cs typeface="Segoe UI"/>
-              </a:rPr>
-              <a:t>Fine-grained control over the app user </a:t>
-            </a:r>
-            <a:r>
-              <a:rPr lang="en-US" sz="2400" dirty="0" smtClean="0">
-                <a:latin typeface="Segoe UI"/>
-                <a:cs typeface="Segoe UI"/>
-              </a:rPr>
-              <a:t>interface</a:t>
-            </a:r>
-            <a:endParaRPr lang="en-US" sz="2400" dirty="0">
-              <a:latin typeface="Segoe UI"/>
-              <a:cs typeface="Segoe UI"/>
-            </a:endParaRPr>
-          </a:p>
-          <a:p>
-            <a:pPr marL="800100" lvl="1" indent="-342900">
-              <a:buFont typeface="Wingdings" charset="2"/>
-              <a:buChar char="§"/>
-              <a:defRPr/>
-            </a:pPr>
-            <a:r>
-              <a:rPr lang="en-US" sz="2400" dirty="0">
-                <a:latin typeface="Segoe UI"/>
-                <a:cs typeface="Segoe UI"/>
-              </a:rPr>
-              <a:t>100% access to OS UI </a:t>
-            </a:r>
-            <a:r>
-              <a:rPr lang="en-US" sz="2400" dirty="0" smtClean="0">
-                <a:latin typeface="Segoe UI"/>
-                <a:cs typeface="Segoe UI"/>
-              </a:rPr>
-              <a:t>APIs</a:t>
-            </a:r>
-            <a:endParaRPr lang="en-US" sz="2400" dirty="0">
-              <a:latin typeface="Segoe UI"/>
-              <a:cs typeface="Segoe UI"/>
-            </a:endParaRPr>
+              <a:t>% access to OS UI APIs</a:t>
+            </a:r>
           </a:p>
           <a:p>
             <a:pPr marL="800100" lvl="1" indent="-342900">
@@ -9218,7 +9947,7 @@
           <p:spPr>
             <a:xfrm>
               <a:off x="4654875" y="3966091"/>
-              <a:ext cx="828967" cy="646331"/>
+              <a:ext cx="828967" cy="738337"/>
             </a:xfrm>
             <a:prstGeom prst="rect">
               <a:avLst/>
@@ -9254,7 +9983,7 @@
                     <a:srgbClr val="FFFFFF"/>
                   </a:solidFill>
                 </a:rPr>
-                <a:t>C# UI</a:t>
+                <a:t>UI</a:t>
               </a:r>
             </a:p>
           </p:txBody>
@@ -9327,7 +10056,7 @@
           <p:spPr>
             <a:xfrm>
               <a:off x="6472424" y="3941791"/>
-              <a:ext cx="1058257" cy="646331"/>
+              <a:ext cx="1058257" cy="738337"/>
             </a:xfrm>
             <a:prstGeom prst="rect">
               <a:avLst/>
@@ -9358,7 +10087,7 @@
                     <a:srgbClr val="FFFFFF"/>
                   </a:solidFill>
                 </a:rPr>
-                <a:t>C# UI</a:t>
+                <a:t>UI</a:t>
               </a:r>
             </a:p>
           </p:txBody>
@@ -9372,7 +10101,7 @@
           <p:spPr>
             <a:xfrm>
               <a:off x="8395214" y="3970993"/>
-              <a:ext cx="1122471" cy="646331"/>
+              <a:ext cx="1122471" cy="738337"/>
             </a:xfrm>
             <a:prstGeom prst="rect">
               <a:avLst/>
@@ -9403,7 +10132,7 @@
                     <a:srgbClr val="FFFFFF"/>
                   </a:solidFill>
                 </a:rPr>
-                <a:t>C# UI</a:t>
+                <a:t>UI</a:t>
               </a:r>
             </a:p>
           </p:txBody>
@@ -9697,9 +10426,6 @@
                 </a:rPr>
                 <a:t> platform-specific UI</a:t>
               </a:r>
-              <a:endParaRPr lang="en-US" altLang="en-US" i="0" dirty="0">
-                <a:cs typeface="Segoe UI"/>
-              </a:endParaRPr>
             </a:p>
           </p:txBody>
         </p:sp>
@@ -9707,7 +10433,7 @@
     </p:spTree>
     <p:extLst>
       <p:ext uri="{BB962C8B-B14F-4D97-AF65-F5344CB8AC3E}">
-        <p14:creationId xmlns:p14="http://schemas.microsoft.com/office/powerpoint/2010/main" val="2503565151"/>
+        <p14:creationId xmlns:p14="http://schemas.microsoft.com/office/powerpoint/2010/main" val="1236813144"/>
       </p:ext>
     </p:extLst>
   </p:cSld>
@@ -9718,7 +10444,7 @@
 </p:sld>
 </file>
 
-<file path=ppt/slides/slide14.xml><?xml version="1.0" encoding="utf-8"?>
+<file path=ppt/slides/slide15.xml><?xml version="1.0" encoding="utf-8"?>
 <p:sld xmlns:a="http://schemas.openxmlformats.org/drawingml/2006/main" xmlns:r="http://schemas.openxmlformats.org/officeDocument/2006/relationships" xmlns:p="http://schemas.openxmlformats.org/presentationml/2006/main">
   <p:cSld>
     <p:spTree>
@@ -11089,7 +11815,7 @@
 </p:sld>
 </file>
 
-<file path=ppt/slides/slide15.xml><?xml version="1.0" encoding="utf-8"?>
+<file path=ppt/slides/slide16.xml><?xml version="1.0" encoding="utf-8"?>
 <p:sld xmlns:a="http://schemas.openxmlformats.org/drawingml/2006/main" xmlns:r="http://schemas.openxmlformats.org/officeDocument/2006/relationships" xmlns:p="http://schemas.openxmlformats.org/presentationml/2006/main">
   <p:cSld>
     <p:spTree>
@@ -13324,7 +14050,7 @@
 </p:sld>
 </file>
 
-<file path=ppt/slides/slide16.xml><?xml version="1.0" encoding="utf-8"?>
+<file path=ppt/slides/slide17.xml><?xml version="1.0" encoding="utf-8"?>
 <p:sld xmlns:a="http://schemas.openxmlformats.org/drawingml/2006/main" xmlns:r="http://schemas.openxmlformats.org/officeDocument/2006/relationships" xmlns:p="http://schemas.openxmlformats.org/presentationml/2006/main">
   <p:cSld>
     <p:spTree>
@@ -13409,88 +14135,6 @@
 </p:sld>
 </file>
 
-<file path=ppt/slides/slide17.xml><?xml version="1.0" encoding="utf-8"?>
-<p:sld xmlns:a="http://schemas.openxmlformats.org/drawingml/2006/main" xmlns:r="http://schemas.openxmlformats.org/officeDocument/2006/relationships" xmlns:p="http://schemas.openxmlformats.org/presentationml/2006/main">
-  <p:cSld>
-    <p:spTree>
-      <p:nvGrpSpPr>
-        <p:cNvPr id="1" name=""/>
-        <p:cNvGrpSpPr/>
-        <p:nvPr/>
-      </p:nvGrpSpPr>
-      <p:grpSpPr>
-        <a:xfrm>
-          <a:off x="0" y="0"/>
-          <a:ext cx="0" cy="0"/>
-          <a:chOff x="0" y="0"/>
-          <a:chExt cx="0" cy="0"/>
-        </a:xfrm>
-      </p:grpSpPr>
-      <p:sp>
-        <p:nvSpPr>
-          <p:cNvPr id="2" name="Title 1"/>
-          <p:cNvSpPr>
-            <a:spLocks noGrp="1"/>
-          </p:cNvSpPr>
-          <p:nvPr>
-            <p:ph type="title"/>
-          </p:nvPr>
-        </p:nvSpPr>
-        <p:spPr/>
-        <p:txBody>
-          <a:bodyPr/>
-          <a:lstStyle/>
-          <a:p>
-            <a:r>
-              <a:rPr lang="en-US" dirty="0">
-                <a:solidFill>
-                  <a:srgbClr val="000000"/>
-                </a:solidFill>
-              </a:rPr>
-              <a:t>Xamarin Studio</a:t>
-            </a:r>
-          </a:p>
-        </p:txBody>
-      </p:sp>
-      <p:pic>
-        <p:nvPicPr>
-          <p:cNvPr id="4" name="Content Placeholder 3"/>
-          <p:cNvPicPr>
-            <a:picLocks noGrp="1" noChangeAspect="1"/>
-          </p:cNvPicPr>
-          <p:nvPr>
-            <p:ph idx="1"/>
-          </p:nvPr>
-        </p:nvPicPr>
-        <p:blipFill>
-          <a:blip r:embed="rId3"/>
-          <a:stretch>
-            <a:fillRect/>
-          </a:stretch>
-        </p:blipFill>
-        <p:spPr>
-          <a:xfrm>
-            <a:off x="2785872" y="1478422"/>
-            <a:ext cx="6620256" cy="5303520"/>
-          </a:xfrm>
-          <a:prstGeom prst="rect">
-            <a:avLst/>
-          </a:prstGeom>
-        </p:spPr>
-      </p:pic>
-    </p:spTree>
-    <p:extLst>
-      <p:ext uri="{BB962C8B-B14F-4D97-AF65-F5344CB8AC3E}">
-        <p14:creationId xmlns:p14="http://schemas.microsoft.com/office/powerpoint/2010/main" val="1074193677"/>
-      </p:ext>
-    </p:extLst>
-  </p:cSld>
-  <p:clrMapOvr>
-    <a:masterClrMapping/>
-  </p:clrMapOvr>
-</p:sld>
-</file>
-
 <file path=ppt/slides/slide18.xml><?xml version="1.0" encoding="utf-8"?>
 <p:sld xmlns:a="http://schemas.openxmlformats.org/drawingml/2006/main" xmlns:r="http://schemas.openxmlformats.org/officeDocument/2006/relationships" xmlns:p="http://schemas.openxmlformats.org/presentationml/2006/main">
   <p:cSld>
@@ -13524,6 +14168,96 @@
           <a:lstStyle/>
           <a:p>
             <a:r>
+              <a:rPr lang="en-US" dirty="0">
+                <a:solidFill>
+                  <a:srgbClr val="000000"/>
+                </a:solidFill>
+              </a:rPr>
+              <a:t>Xamarin Studio</a:t>
+            </a:r>
+          </a:p>
+        </p:txBody>
+      </p:sp>
+      <p:pic>
+        <p:nvPicPr>
+          <p:cNvPr id="5" name="Picture 4" descr="Screen Shot 2016-06-27 at 5.15.28 PM.png"/>
+          <p:cNvPicPr>
+            <a:picLocks noChangeAspect="1"/>
+          </p:cNvPicPr>
+          <p:nvPr/>
+        </p:nvPicPr>
+        <p:blipFill rotWithShape="1">
+          <a:blip r:embed="rId3">
+            <a:extLst>
+              <a:ext uri="{28A0092B-C50C-407E-A947-70E740481C1C}">
+                <a14:useLocalDpi xmlns:a14="http://schemas.microsoft.com/office/drawing/2010/main" val="0"/>
+              </a:ext>
+            </a:extLst>
+          </a:blip>
+          <a:srcRect t="1" b="1006"/>
+          <a:stretch/>
+        </p:blipFill>
+        <p:spPr>
+          <a:xfrm>
+            <a:off x="1758086" y="1363191"/>
+            <a:ext cx="8675829" cy="5367809"/>
+          </a:xfrm>
+          <a:prstGeom prst="rect">
+            <a:avLst/>
+          </a:prstGeom>
+          <a:ln>
+            <a:solidFill>
+              <a:srgbClr val="A6A6A6"/>
+            </a:solidFill>
+          </a:ln>
+        </p:spPr>
+      </p:pic>
+    </p:spTree>
+    <p:extLst>
+      <p:ext uri="{BB962C8B-B14F-4D97-AF65-F5344CB8AC3E}">
+        <p14:creationId xmlns:p14="http://schemas.microsoft.com/office/powerpoint/2010/main" val="1074193677"/>
+      </p:ext>
+    </p:extLst>
+  </p:cSld>
+  <p:clrMapOvr>
+    <a:masterClrMapping/>
+  </p:clrMapOvr>
+</p:sld>
+</file>
+
+<file path=ppt/slides/slide19.xml><?xml version="1.0" encoding="utf-8"?>
+<p:sld xmlns:a="http://schemas.openxmlformats.org/drawingml/2006/main" xmlns:r="http://schemas.openxmlformats.org/officeDocument/2006/relationships" xmlns:p="http://schemas.openxmlformats.org/presentationml/2006/main">
+  <p:cSld>
+    <p:spTree>
+      <p:nvGrpSpPr>
+        <p:cNvPr id="1" name=""/>
+        <p:cNvGrpSpPr/>
+        <p:nvPr/>
+      </p:nvGrpSpPr>
+      <p:grpSpPr>
+        <a:xfrm>
+          <a:off x="0" y="0"/>
+          <a:ext cx="0" cy="0"/>
+          <a:chOff x="0" y="0"/>
+          <a:chExt cx="0" cy="0"/>
+        </a:xfrm>
+      </p:grpSpPr>
+      <p:sp>
+        <p:nvSpPr>
+          <p:cNvPr id="2" name="Title 1"/>
+          <p:cNvSpPr>
+            <a:spLocks noGrp="1"/>
+          </p:cNvSpPr>
+          <p:nvPr>
+            <p:ph type="title"/>
+          </p:nvPr>
+        </p:nvSpPr>
+        <p:spPr/>
+        <p:txBody>
+          <a:bodyPr/>
+          <a:lstStyle/>
+          <a:p>
+            <a:r>
               <a:rPr lang="en-US" dirty="0"/>
               <a:t>Basic </a:t>
             </a:r>
@@ -13570,7 +14304,225 @@
 </p:sld>
 </file>
 
-<file path=ppt/slides/slide19.xml><?xml version="1.0" encoding="utf-8"?>
+<file path=ppt/slides/slide2.xml><?xml version="1.0" encoding="utf-8"?>
+<p:sld xmlns:a="http://schemas.openxmlformats.org/drawingml/2006/main" xmlns:r="http://schemas.openxmlformats.org/officeDocument/2006/relationships" xmlns:p="http://schemas.openxmlformats.org/presentationml/2006/main">
+  <p:cSld>
+    <p:spTree>
+      <p:nvGrpSpPr>
+        <p:cNvPr id="1" name=""/>
+        <p:cNvGrpSpPr/>
+        <p:nvPr/>
+      </p:nvGrpSpPr>
+      <p:grpSpPr>
+        <a:xfrm>
+          <a:off x="0" y="0"/>
+          <a:ext cx="0" cy="0"/>
+          <a:chOff x="0" y="0"/>
+          <a:chExt cx="0" cy="0"/>
+        </a:xfrm>
+      </p:grpSpPr>
+      <p:sp>
+        <p:nvSpPr>
+          <p:cNvPr id="5" name="Rectangle 4"/>
+          <p:cNvSpPr/>
+          <p:nvPr/>
+        </p:nvSpPr>
+        <p:spPr>
+          <a:xfrm>
+            <a:off x="0" y="2423812"/>
+            <a:ext cx="12192000" cy="2782733"/>
+          </a:xfrm>
+          <a:prstGeom prst="rect">
+            <a:avLst/>
+          </a:prstGeom>
+          <a:solidFill>
+            <a:srgbClr val="0070C0"/>
+          </a:solidFill>
+          <a:ln w="9525" cap="flat" cmpd="sng" algn="ctr">
+            <a:noFill/>
+            <a:prstDash val="solid"/>
+          </a:ln>
+          <a:effectLst/>
+        </p:spPr>
+        <p:txBody>
+          <a:bodyPr rtlCol="0" anchor="ctr"/>
+          <a:lstStyle/>
+          <a:p>
+            <a:pPr marL="0" marR="0" lvl="0" indent="0" algn="ctr" defTabSz="914400" eaLnBrk="1" fontAlgn="auto" latinLnBrk="0" hangingPunct="1">
+              <a:lnSpc>
+                <a:spcPct val="100000"/>
+              </a:lnSpc>
+              <a:spcBef>
+                <a:spcPts val="0"/>
+              </a:spcBef>
+              <a:spcAft>
+                <a:spcPts val="0"/>
+              </a:spcAft>
+              <a:buClrTx/>
+              <a:buSzTx/>
+              <a:buFont typeface="Arial" panose="020B0604020202020204" pitchFamily="34" charset="0"/>
+              <a:buNone/>
+              <a:tabLst/>
+              <a:defRPr/>
+            </a:pPr>
+            <a:endParaRPr kumimoji="0" lang="en-US" sz="4000" i="1" u="none" strike="noStrike" kern="0" cap="none" spc="0" normalizeH="0" baseline="0" noProof="0" dirty="0">
+              <a:ln>
+                <a:noFill/>
+              </a:ln>
+              <a:solidFill>
+                <a:prstClr val="white"/>
+              </a:solidFill>
+              <a:effectLst/>
+              <a:uLnTx/>
+              <a:uFillTx/>
+              <a:latin typeface="+mj-lt"/>
+            </a:endParaRPr>
+          </a:p>
+        </p:txBody>
+      </p:sp>
+      <p:sp>
+        <p:nvSpPr>
+          <p:cNvPr id="2" name="Title 1"/>
+          <p:cNvSpPr>
+            <a:spLocks noGrp="1"/>
+          </p:cNvSpPr>
+          <p:nvPr>
+            <p:ph type="title"/>
+          </p:nvPr>
+        </p:nvSpPr>
+        <p:spPr>
+          <a:xfrm>
+            <a:off x="831735" y="534063"/>
+            <a:ext cx="3519421" cy="968466"/>
+          </a:xfrm>
+        </p:spPr>
+        <p:txBody>
+          <a:bodyPr/>
+          <a:lstStyle/>
+          <a:p>
+            <a:r>
+              <a:rPr lang="en-US" dirty="0"/>
+              <a:t>Topics</a:t>
+            </a:r>
+          </a:p>
+        </p:txBody>
+      </p:sp>
+      <p:sp>
+        <p:nvSpPr>
+          <p:cNvPr id="3" name="Content Placeholder 2"/>
+          <p:cNvSpPr>
+            <a:spLocks noGrp="1"/>
+          </p:cNvSpPr>
+          <p:nvPr>
+            <p:ph idx="1"/>
+          </p:nvPr>
+        </p:nvSpPr>
+        <p:spPr>
+          <a:xfrm>
+            <a:off x="838200" y="2747081"/>
+            <a:ext cx="10515600" cy="2233763"/>
+          </a:xfrm>
+        </p:spPr>
+        <p:txBody>
+          <a:bodyPr anchor="ctr">
+            <a:normAutofit/>
+          </a:bodyPr>
+          <a:lstStyle/>
+          <a:p>
+            <a:pPr marL="0" indent="0">
+              <a:buNone/>
+            </a:pPr>
+            <a:r>
+              <a:rPr lang="en-US" dirty="0" err="1">
+                <a:solidFill>
+                  <a:schemeClr val="bg1"/>
+                </a:solidFill>
+              </a:rPr>
+              <a:t>Xamarin</a:t>
+            </a:r>
+            <a:r>
+              <a:rPr lang="en-US" dirty="0">
+                <a:solidFill>
+                  <a:schemeClr val="bg1"/>
+                </a:solidFill>
+              </a:rPr>
+              <a:t> history</a:t>
+            </a:r>
+          </a:p>
+          <a:p>
+            <a:pPr marL="0" indent="0">
+              <a:buNone/>
+            </a:pPr>
+            <a:r>
+              <a:rPr lang="en-US" dirty="0">
+                <a:solidFill>
+                  <a:schemeClr val="bg1"/>
+                </a:solidFill>
+              </a:rPr>
+              <a:t>The </a:t>
+            </a:r>
+            <a:r>
+              <a:rPr lang="en-US" dirty="0" err="1">
+                <a:solidFill>
+                  <a:schemeClr val="bg1"/>
+                </a:solidFill>
+              </a:rPr>
+              <a:t>Xamarin</a:t>
+            </a:r>
+            <a:r>
+              <a:rPr lang="en-US" dirty="0">
+                <a:solidFill>
+                  <a:schemeClr val="bg1"/>
+                </a:solidFill>
+              </a:rPr>
+              <a:t> approach to cross-platform mobile development</a:t>
+            </a:r>
+          </a:p>
+          <a:p>
+            <a:pPr marL="0" indent="0">
+              <a:buNone/>
+            </a:pPr>
+            <a:r>
+              <a:rPr lang="en-US" dirty="0">
+                <a:solidFill>
+                  <a:schemeClr val="bg1"/>
+                </a:solidFill>
+              </a:rPr>
+              <a:t>Basic </a:t>
+            </a:r>
+            <a:r>
+              <a:rPr lang="en-US" dirty="0" err="1">
+                <a:solidFill>
+                  <a:schemeClr val="bg1"/>
+                </a:solidFill>
+              </a:rPr>
+              <a:t>Xamarin</a:t>
+            </a:r>
+            <a:r>
+              <a:rPr lang="en-US" dirty="0">
+                <a:solidFill>
+                  <a:schemeClr val="bg1"/>
+                </a:solidFill>
+              </a:rPr>
+              <a:t> concepts</a:t>
+            </a:r>
+          </a:p>
+        </p:txBody>
+      </p:sp>
+    </p:spTree>
+    <p:extLst>
+      <p:ext uri="{BB962C8B-B14F-4D97-AF65-F5344CB8AC3E}">
+        <p14:creationId xmlns:p14="http://schemas.microsoft.com/office/powerpoint/2010/main" val="268100644"/>
+      </p:ext>
+    </p:extLst>
+  </p:cSld>
+  <p:clrMapOvr>
+    <a:masterClrMapping/>
+  </p:clrMapOvr>
+</p:sld>
+</file>
+
+<file path=ppt/slides/slide20.xml><?xml version="1.0" encoding="utf-8"?>
 <p:sld xmlns:a="http://schemas.openxmlformats.org/drawingml/2006/main" xmlns:r="http://schemas.openxmlformats.org/officeDocument/2006/relationships" xmlns:p="http://schemas.openxmlformats.org/presentationml/2006/main">
   <p:cSld>
     <p:spTree>
@@ -14079,225 +15031,7 @@
 </p:sld>
 </file>
 
-<file path=ppt/slides/slide2.xml><?xml version="1.0" encoding="utf-8"?>
-<p:sld xmlns:a="http://schemas.openxmlformats.org/drawingml/2006/main" xmlns:r="http://schemas.openxmlformats.org/officeDocument/2006/relationships" xmlns:p="http://schemas.openxmlformats.org/presentationml/2006/main">
-  <p:cSld>
-    <p:spTree>
-      <p:nvGrpSpPr>
-        <p:cNvPr id="1" name=""/>
-        <p:cNvGrpSpPr/>
-        <p:nvPr/>
-      </p:nvGrpSpPr>
-      <p:grpSpPr>
-        <a:xfrm>
-          <a:off x="0" y="0"/>
-          <a:ext cx="0" cy="0"/>
-          <a:chOff x="0" y="0"/>
-          <a:chExt cx="0" cy="0"/>
-        </a:xfrm>
-      </p:grpSpPr>
-      <p:sp>
-        <p:nvSpPr>
-          <p:cNvPr id="5" name="Rectangle 4"/>
-          <p:cNvSpPr/>
-          <p:nvPr/>
-        </p:nvSpPr>
-        <p:spPr>
-          <a:xfrm>
-            <a:off x="0" y="2423812"/>
-            <a:ext cx="12192000" cy="2782733"/>
-          </a:xfrm>
-          <a:prstGeom prst="rect">
-            <a:avLst/>
-          </a:prstGeom>
-          <a:solidFill>
-            <a:srgbClr val="0070C0"/>
-          </a:solidFill>
-          <a:ln w="9525" cap="flat" cmpd="sng" algn="ctr">
-            <a:noFill/>
-            <a:prstDash val="solid"/>
-          </a:ln>
-          <a:effectLst/>
-        </p:spPr>
-        <p:txBody>
-          <a:bodyPr rtlCol="0" anchor="ctr"/>
-          <a:lstStyle/>
-          <a:p>
-            <a:pPr marL="0" marR="0" lvl="0" indent="0" algn="ctr" defTabSz="914400" eaLnBrk="1" fontAlgn="auto" latinLnBrk="0" hangingPunct="1">
-              <a:lnSpc>
-                <a:spcPct val="100000"/>
-              </a:lnSpc>
-              <a:spcBef>
-                <a:spcPts val="0"/>
-              </a:spcBef>
-              <a:spcAft>
-                <a:spcPts val="0"/>
-              </a:spcAft>
-              <a:buClrTx/>
-              <a:buSzTx/>
-              <a:buFont typeface="Arial" panose="020B0604020202020204" pitchFamily="34" charset="0"/>
-              <a:buNone/>
-              <a:tabLst/>
-              <a:defRPr/>
-            </a:pPr>
-            <a:endParaRPr kumimoji="0" lang="en-US" sz="4000" i="1" u="none" strike="noStrike" kern="0" cap="none" spc="0" normalizeH="0" baseline="0" noProof="0" dirty="0">
-              <a:ln>
-                <a:noFill/>
-              </a:ln>
-              <a:solidFill>
-                <a:prstClr val="white"/>
-              </a:solidFill>
-              <a:effectLst/>
-              <a:uLnTx/>
-              <a:uFillTx/>
-              <a:latin typeface="+mj-lt"/>
-            </a:endParaRPr>
-          </a:p>
-        </p:txBody>
-      </p:sp>
-      <p:sp>
-        <p:nvSpPr>
-          <p:cNvPr id="2" name="Title 1"/>
-          <p:cNvSpPr>
-            <a:spLocks noGrp="1"/>
-          </p:cNvSpPr>
-          <p:nvPr>
-            <p:ph type="title"/>
-          </p:nvPr>
-        </p:nvSpPr>
-        <p:spPr>
-          <a:xfrm>
-            <a:off x="831735" y="534063"/>
-            <a:ext cx="3519421" cy="968466"/>
-          </a:xfrm>
-        </p:spPr>
-        <p:txBody>
-          <a:bodyPr/>
-          <a:lstStyle/>
-          <a:p>
-            <a:r>
-              <a:rPr lang="en-US" dirty="0"/>
-              <a:t>Topics</a:t>
-            </a:r>
-          </a:p>
-        </p:txBody>
-      </p:sp>
-      <p:sp>
-        <p:nvSpPr>
-          <p:cNvPr id="3" name="Content Placeholder 2"/>
-          <p:cNvSpPr>
-            <a:spLocks noGrp="1"/>
-          </p:cNvSpPr>
-          <p:nvPr>
-            <p:ph idx="1"/>
-          </p:nvPr>
-        </p:nvSpPr>
-        <p:spPr>
-          <a:xfrm>
-            <a:off x="838200" y="2747081"/>
-            <a:ext cx="10515600" cy="2233763"/>
-          </a:xfrm>
-        </p:spPr>
-        <p:txBody>
-          <a:bodyPr anchor="ctr">
-            <a:normAutofit/>
-          </a:bodyPr>
-          <a:lstStyle/>
-          <a:p>
-            <a:pPr marL="0" indent="0">
-              <a:buNone/>
-            </a:pPr>
-            <a:r>
-              <a:rPr lang="en-US" dirty="0" err="1">
-                <a:solidFill>
-                  <a:schemeClr val="bg1"/>
-                </a:solidFill>
-              </a:rPr>
-              <a:t>Xamarin</a:t>
-            </a:r>
-            <a:r>
-              <a:rPr lang="en-US" dirty="0">
-                <a:solidFill>
-                  <a:schemeClr val="bg1"/>
-                </a:solidFill>
-              </a:rPr>
-              <a:t> history</a:t>
-            </a:r>
-          </a:p>
-          <a:p>
-            <a:pPr marL="0" indent="0">
-              <a:buNone/>
-            </a:pPr>
-            <a:r>
-              <a:rPr lang="en-US" dirty="0">
-                <a:solidFill>
-                  <a:schemeClr val="bg1"/>
-                </a:solidFill>
-              </a:rPr>
-              <a:t>The </a:t>
-            </a:r>
-            <a:r>
-              <a:rPr lang="en-US" dirty="0" err="1">
-                <a:solidFill>
-                  <a:schemeClr val="bg1"/>
-                </a:solidFill>
-              </a:rPr>
-              <a:t>Xamarin</a:t>
-            </a:r>
-            <a:r>
-              <a:rPr lang="en-US" dirty="0">
-                <a:solidFill>
-                  <a:schemeClr val="bg1"/>
-                </a:solidFill>
-              </a:rPr>
-              <a:t> approach to cross-platform mobile development</a:t>
-            </a:r>
-          </a:p>
-          <a:p>
-            <a:pPr marL="0" indent="0">
-              <a:buNone/>
-            </a:pPr>
-            <a:r>
-              <a:rPr lang="en-US" dirty="0">
-                <a:solidFill>
-                  <a:schemeClr val="bg1"/>
-                </a:solidFill>
-              </a:rPr>
-              <a:t>Basic </a:t>
-            </a:r>
-            <a:r>
-              <a:rPr lang="en-US" dirty="0" err="1">
-                <a:solidFill>
-                  <a:schemeClr val="bg1"/>
-                </a:solidFill>
-              </a:rPr>
-              <a:t>Xamarin</a:t>
-            </a:r>
-            <a:r>
-              <a:rPr lang="en-US" dirty="0">
-                <a:solidFill>
-                  <a:schemeClr val="bg1"/>
-                </a:solidFill>
-              </a:rPr>
-              <a:t> concepts</a:t>
-            </a:r>
-          </a:p>
-        </p:txBody>
-      </p:sp>
-    </p:spTree>
-    <p:extLst>
-      <p:ext uri="{BB962C8B-B14F-4D97-AF65-F5344CB8AC3E}">
-        <p14:creationId xmlns:p14="http://schemas.microsoft.com/office/powerpoint/2010/main" val="268100644"/>
-      </p:ext>
-    </p:extLst>
-  </p:cSld>
-  <p:clrMapOvr>
-    <a:masterClrMapping/>
-  </p:clrMapOvr>
-</p:sld>
-</file>
-
-<file path=ppt/slides/slide20.xml><?xml version="1.0" encoding="utf-8"?>
+<file path=ppt/slides/slide21.xml><?xml version="1.0" encoding="utf-8"?>
 <p:sld xmlns:a="http://schemas.openxmlformats.org/drawingml/2006/main" xmlns:r="http://schemas.openxmlformats.org/officeDocument/2006/relationships" xmlns:p="http://schemas.openxmlformats.org/presentationml/2006/main">
   <p:cSld>
     <p:spTree>
@@ -14764,7 +15498,7 @@
 </p:sld>
 </file>
 
-<file path=ppt/slides/slide21.xml><?xml version="1.0" encoding="utf-8"?>
+<file path=ppt/slides/slide22.xml><?xml version="1.0" encoding="utf-8"?>
 <p:sld xmlns:a="http://schemas.openxmlformats.org/drawingml/2006/main" xmlns:r="http://schemas.openxmlformats.org/officeDocument/2006/relationships" xmlns:p="http://schemas.openxmlformats.org/presentationml/2006/main">
   <p:cSld>
     <p:spTree>
@@ -15215,7 +15949,7 @@
 </p:sld>
 </file>
 
-<file path=ppt/slides/slide22.xml><?xml version="1.0" encoding="utf-8"?>
+<file path=ppt/slides/slide23.xml><?xml version="1.0" encoding="utf-8"?>
 <p:sld xmlns:a="http://schemas.openxmlformats.org/drawingml/2006/main" xmlns:r="http://schemas.openxmlformats.org/officeDocument/2006/relationships" xmlns:p="http://schemas.openxmlformats.org/presentationml/2006/main">
   <p:cSld>
     <p:spTree>
@@ -16016,7 +16750,7 @@
 </p:sld>
 </file>
 
-<file path=ppt/slides/slide23.xml><?xml version="1.0" encoding="utf-8"?>
+<file path=ppt/slides/slide24.xml><?xml version="1.0" encoding="utf-8"?>
 <p:sld xmlns:a="http://schemas.openxmlformats.org/drawingml/2006/main" xmlns:r="http://schemas.openxmlformats.org/officeDocument/2006/relationships" xmlns:p="http://schemas.openxmlformats.org/presentationml/2006/main">
   <p:cSld>
     <p:spTree>
@@ -19350,7 +20084,7 @@
           <p:nvPr>
             <p:extLst>
               <p:ext uri="{D42A27DB-BD31-4B8C-83A1-F6EECF244321}">
-                <p14:modId xmlns:p14="http://schemas.microsoft.com/office/powerpoint/2010/main" val="1512333612"/>
+                <p14:modId xmlns:p14="http://schemas.microsoft.com/office/powerpoint/2010/main" val="769184443"/>
               </p:ext>
             </p:extLst>
           </p:nvPr>
@@ -19369,14 +20103,14 @@
                 <a:gridCol w="4786355">
                   <a:extLst>
                     <a:ext uri="{9D8B030D-6E8A-4147-A177-3AD203B41FA5}">
-                      <a16:colId xmlns:a16="http://schemas.microsoft.com/office/drawing/2014/main" xmlns="" val="48614039"/>
+                      <a16:colId xmlns="" xmlns:a16="http://schemas.microsoft.com/office/drawing/2014/main" val="48614039"/>
                     </a:ext>
                   </a:extLst>
                 </a:gridCol>
                 <a:gridCol w="5662501">
                   <a:extLst>
                     <a:ext uri="{9D8B030D-6E8A-4147-A177-3AD203B41FA5}">
-                      <a16:colId xmlns:a16="http://schemas.microsoft.com/office/drawing/2014/main" xmlns="" val="1124546490"/>
+                      <a16:colId xmlns="" xmlns:a16="http://schemas.microsoft.com/office/drawing/2014/main" val="1124546490"/>
                     </a:ext>
                   </a:extLst>
                 </a:gridCol>
@@ -19428,7 +20162,7 @@
                 </a:tc>
                 <a:extLst>
                   <a:ext uri="{0D108BD9-81ED-4DB2-BD59-A6C34878D82A}">
-                    <a16:rowId xmlns:a16="http://schemas.microsoft.com/office/drawing/2014/main" xmlns="" val="679667022"/>
+                    <a16:rowId xmlns="" xmlns:a16="http://schemas.microsoft.com/office/drawing/2014/main" val="679667022"/>
                   </a:ext>
                 </a:extLst>
               </a:tr>
@@ -19464,8 +20198,13 @@
                       </a:br>
                       <a:r>
                         <a:rPr lang="en-US" dirty="0"/>
-                        <a:t>founded Mono project (2001)</a:t>
+                        <a:t>founded Mono </a:t>
                       </a:r>
+                      <a:r>
+                        <a:rPr lang="en-US" dirty="0" smtClean="0"/>
+                        <a:t>project </a:t>
+                      </a:r>
+                      <a:endParaRPr lang="en-US" dirty="0"/>
                     </a:p>
                   </a:txBody>
                   <a:tcPr anchor="ctr">
@@ -19498,7 +20237,7 @@
                 </a:tc>
                 <a:extLst>
                   <a:ext uri="{0D108BD9-81ED-4DB2-BD59-A6C34878D82A}">
-                    <a16:rowId xmlns:a16="http://schemas.microsoft.com/office/drawing/2014/main" xmlns="" val="2034482246"/>
+                    <a16:rowId xmlns="" xmlns:a16="http://schemas.microsoft.com/office/drawing/2014/main" val="2034482246"/>
                   </a:ext>
                 </a:extLst>
               </a:tr>
@@ -19511,8 +20250,13 @@
                       <a:pPr algn="ctr"/>
                       <a:r>
                         <a:rPr lang="en-US" dirty="0"/>
-                        <a:t>Follows the ECMA standard for C#</a:t>
+                        <a:t>Follows the ECMA standard for C</a:t>
                       </a:r>
+                      <a:r>
+                        <a:rPr lang="en-US" dirty="0" smtClean="0"/>
+                        <a:t>#</a:t>
+                      </a:r>
+                      <a:endParaRPr lang="en-US" dirty="0"/>
                     </a:p>
                   </a:txBody>
                   <a:tcPr anchor="ctr">
@@ -19561,7 +20305,7 @@
                 </a:tc>
                 <a:extLst>
                   <a:ext uri="{0D108BD9-81ED-4DB2-BD59-A6C34878D82A}">
-                    <a16:rowId xmlns:a16="http://schemas.microsoft.com/office/drawing/2014/main" xmlns="" val="682465758"/>
+                    <a16:rowId xmlns="" xmlns:a16="http://schemas.microsoft.com/office/drawing/2014/main" val="682465758"/>
                   </a:ext>
                 </a:extLst>
               </a:tr>
@@ -19573,7 +20317,7 @@
                     <a:p>
                       <a:pPr algn="ctr" rtl="0" fontAlgn="ctr"/>
                       <a:r>
-                        <a:rPr lang="en-US" sz="1800" b="0" i="0" u="none" strike="noStrike">
+                        <a:rPr lang="en-US" sz="1800" b="0" i="0" u="none" strike="noStrike" dirty="0">
                           <a:solidFill>
                             <a:schemeClr val="tx1"/>
                           </a:solidFill>
@@ -19620,7 +20364,7 @@
                 </a:tc>
                 <a:extLst>
                   <a:ext uri="{0D108BD9-81ED-4DB2-BD59-A6C34878D82A}">
-                    <a16:rowId xmlns:a16="http://schemas.microsoft.com/office/drawing/2014/main" xmlns="" val="4230228483"/>
+                    <a16:rowId xmlns="" xmlns:a16="http://schemas.microsoft.com/office/drawing/2014/main" val="4230228483"/>
                   </a:ext>
                 </a:extLst>
               </a:tr>
@@ -19671,7 +20415,7 @@
                 </a:tc>
                 <a:extLst>
                   <a:ext uri="{0D108BD9-81ED-4DB2-BD59-A6C34878D82A}">
-                    <a16:rowId xmlns:a16="http://schemas.microsoft.com/office/drawing/2014/main" xmlns="" val="10004"/>
+                    <a16:rowId xmlns="" xmlns:a16="http://schemas.microsoft.com/office/drawing/2014/main" val="10004"/>
                   </a:ext>
                 </a:extLst>
               </a:tr>
@@ -19746,7 +20490,7 @@
           <p:nvPr>
             <p:extLst>
               <p:ext uri="{D42A27DB-BD31-4B8C-83A1-F6EECF244321}">
-                <p14:modId xmlns:p14="http://schemas.microsoft.com/office/powerpoint/2010/main" val="1368785048"/>
+                <p14:modId xmlns:p14="http://schemas.microsoft.com/office/powerpoint/2010/main" val="2288100064"/>
               </p:ext>
             </p:extLst>
           </p:nvPr>
@@ -19765,7 +20509,7 @@
                 <a:gridCol w="10446296">
                   <a:extLst>
                     <a:ext uri="{9D8B030D-6E8A-4147-A177-3AD203B41FA5}">
-                      <a16:colId xmlns:a16="http://schemas.microsoft.com/office/drawing/2014/main" xmlns="" val="48614039"/>
+                      <a16:colId xmlns="" xmlns:a16="http://schemas.microsoft.com/office/drawing/2014/main" val="48614039"/>
                     </a:ext>
                   </a:extLst>
                 </a:gridCol>
@@ -19795,7 +20539,7 @@
                 </a:tc>
                 <a:extLst>
                   <a:ext uri="{0D108BD9-81ED-4DB2-BD59-A6C34878D82A}">
-                    <a16:rowId xmlns:a16="http://schemas.microsoft.com/office/drawing/2014/main" xmlns="" val="679667022"/>
+                    <a16:rowId xmlns="" xmlns:a16="http://schemas.microsoft.com/office/drawing/2014/main" val="679667022"/>
                   </a:ext>
                 </a:extLst>
               </a:tr>
@@ -19842,7 +20586,7 @@
                 </a:tc>
                 <a:extLst>
                   <a:ext uri="{0D108BD9-81ED-4DB2-BD59-A6C34878D82A}">
-                    <a16:rowId xmlns:a16="http://schemas.microsoft.com/office/drawing/2014/main" xmlns="" val="2034482246"/>
+                    <a16:rowId xmlns="" xmlns:a16="http://schemas.microsoft.com/office/drawing/2014/main" val="2034482246"/>
                   </a:ext>
                 </a:extLst>
               </a:tr>
@@ -19869,7 +20613,7 @@
                 </a:tc>
                 <a:extLst>
                   <a:ext uri="{0D108BD9-81ED-4DB2-BD59-A6C34878D82A}">
-                    <a16:rowId xmlns:a16="http://schemas.microsoft.com/office/drawing/2014/main" xmlns="" val="682465758"/>
+                    <a16:rowId xmlns="" xmlns:a16="http://schemas.microsoft.com/office/drawing/2014/main" val="682465758"/>
                   </a:ext>
                 </a:extLst>
               </a:tr>
@@ -19898,8 +20642,13 @@
                       </a:r>
                       <a:r>
                         <a:rPr lang="en-US" dirty="0"/>
-                        <a:t> to continue/expand Mono project</a:t>
+                        <a:t> to continue/expand Mono </a:t>
                       </a:r>
+                      <a:r>
+                        <a:rPr lang="en-US" dirty="0" smtClean="0"/>
+                        <a:t>project (2011)</a:t>
+                      </a:r>
+                      <a:endParaRPr lang="en-US" dirty="0"/>
                     </a:p>
                   </a:txBody>
                   <a:tcPr anchor="ctr">
@@ -19912,7 +20661,7 @@
                 </a:tc>
                 <a:extLst>
                   <a:ext uri="{0D108BD9-81ED-4DB2-BD59-A6C34878D82A}">
-                    <a16:rowId xmlns:a16="http://schemas.microsoft.com/office/drawing/2014/main" xmlns="" val="4230228483"/>
+                    <a16:rowId xmlns="" xmlns:a16="http://schemas.microsoft.com/office/drawing/2014/main" val="4230228483"/>
                   </a:ext>
                 </a:extLst>
               </a:tr>
@@ -20011,14 +20760,14 @@
                 <a:gridCol w="3706437">
                   <a:extLst>
                     <a:ext uri="{9D8B030D-6E8A-4147-A177-3AD203B41FA5}">
-                      <a16:colId xmlns:a16="http://schemas.microsoft.com/office/drawing/2014/main" xmlns="" val="48614039"/>
+                      <a16:colId xmlns="" xmlns:a16="http://schemas.microsoft.com/office/drawing/2014/main" val="48614039"/>
                     </a:ext>
                   </a:extLst>
                 </a:gridCol>
                 <a:gridCol w="6742419">
                   <a:extLst>
                     <a:ext uri="{9D8B030D-6E8A-4147-A177-3AD203B41FA5}">
-                      <a16:colId xmlns:a16="http://schemas.microsoft.com/office/drawing/2014/main" xmlns="" val="1124546490"/>
+                      <a16:colId xmlns="" xmlns:a16="http://schemas.microsoft.com/office/drawing/2014/main" val="1124546490"/>
                     </a:ext>
                   </a:extLst>
                 </a:gridCol>
@@ -20070,7 +20819,7 @@
                 </a:tc>
                 <a:extLst>
                   <a:ext uri="{0D108BD9-81ED-4DB2-BD59-A6C34878D82A}">
-                    <a16:rowId xmlns:a16="http://schemas.microsoft.com/office/drawing/2014/main" xmlns="" val="679667022"/>
+                    <a16:rowId xmlns="" xmlns:a16="http://schemas.microsoft.com/office/drawing/2014/main" val="679667022"/>
                   </a:ext>
                 </a:extLst>
               </a:tr>
@@ -20137,7 +20886,7 @@
                 </a:tc>
                 <a:extLst>
                   <a:ext uri="{0D108BD9-81ED-4DB2-BD59-A6C34878D82A}">
-                    <a16:rowId xmlns:a16="http://schemas.microsoft.com/office/drawing/2014/main" xmlns="" val="2034482246"/>
+                    <a16:rowId xmlns="" xmlns:a16="http://schemas.microsoft.com/office/drawing/2014/main" val="2034482246"/>
                   </a:ext>
                 </a:extLst>
               </a:tr>
@@ -20307,7 +21056,7 @@
                 </a:tc>
                 <a:extLst>
                   <a:ext uri="{0D108BD9-81ED-4DB2-BD59-A6C34878D82A}">
-                    <a16:rowId xmlns:a16="http://schemas.microsoft.com/office/drawing/2014/main" xmlns="" val="682465758"/>
+                    <a16:rowId xmlns="" xmlns:a16="http://schemas.microsoft.com/office/drawing/2014/main" val="682465758"/>
                   </a:ext>
                 </a:extLst>
               </a:tr>
@@ -20392,7 +21141,7 @@
                 </a:tc>
                 <a:extLst>
                   <a:ext uri="{0D108BD9-81ED-4DB2-BD59-A6C34878D82A}">
-                    <a16:rowId xmlns:a16="http://schemas.microsoft.com/office/drawing/2014/main" xmlns="" val="4230228483"/>
+                    <a16:rowId xmlns="" xmlns:a16="http://schemas.microsoft.com/office/drawing/2014/main" val="4230228483"/>
                   </a:ext>
                 </a:extLst>
               </a:tr>
@@ -20608,7 +21357,7 @@
   <a:extraClrSchemeLst/>
   <a:extLst>
     <a:ext uri="{05A4C25C-085E-4340-85A3-A5531E510DB2}">
-      <thm15:themeFamily xmlns:thm15="http://schemas.microsoft.com/office/thememl/2012/main" xmlns="" name="Office Theme" id="{62F939B6-93AF-4DB8-9C6B-D6C7DFDC589F}" vid="{4A3C46E8-61CC-4603-A589-7422A47A8E4A}"/>
+      <thm15:themeFamily xmlns="" xmlns:thm15="http://schemas.microsoft.com/office/thememl/2012/main" name="Office Theme" id="{62F939B6-93AF-4DB8-9C6B-D6C7DFDC589F}" vid="{4A3C46E8-61CC-4603-A589-7422A47A8E4A}"/>
     </a:ext>
   </a:extLst>
 </a:theme>
@@ -20903,7 +21652,7 @@
   <a:extraClrSchemeLst/>
   <a:extLst>
     <a:ext uri="{05A4C25C-085E-4340-85A3-A5531E510DB2}">
-      <thm15:themeFamily xmlns:thm15="http://schemas.microsoft.com/office/thememl/2012/main" xmlns="" name="Office Theme" id="{62F939B6-93AF-4DB8-9C6B-D6C7DFDC589F}" vid="{4A3C46E8-61CC-4603-A589-7422A47A8E4A}"/>
+      <thm15:themeFamily xmlns="" xmlns:thm15="http://schemas.microsoft.com/office/thememl/2012/main" name="Office Theme" id="{62F939B6-93AF-4DB8-9C6B-D6C7DFDC589F}" vid="{4A3C46E8-61CC-4603-A589-7422A47A8E4A}"/>
     </a:ext>
   </a:extLst>
 </a:theme>
